--- a/slides/02 PAAS.pptx
+++ b/slides/02 PAAS.pptx
@@ -5,7 +5,7 @@
     <p:sldMasterId id="2147483648" r:id="rId1"/>
   </p:sldMasterIdLst>
   <p:notesMasterIdLst>
-    <p:notesMasterId r:id="rId11"/>
+    <p:notesMasterId r:id="rId19"/>
   </p:notesMasterIdLst>
   <p:sldIdLst>
     <p:sldId id="256" r:id="rId2"/>
@@ -17,6 +17,14 @@
     <p:sldId id="361" r:id="rId8"/>
     <p:sldId id="362" r:id="rId9"/>
     <p:sldId id="363" r:id="rId10"/>
+    <p:sldId id="364" r:id="rId11"/>
+    <p:sldId id="365" r:id="rId12"/>
+    <p:sldId id="366" r:id="rId13"/>
+    <p:sldId id="367" r:id="rId14"/>
+    <p:sldId id="368" r:id="rId15"/>
+    <p:sldId id="370" r:id="rId16"/>
+    <p:sldId id="371" r:id="rId17"/>
+    <p:sldId id="372" r:id="rId18"/>
   </p:sldIdLst>
   <p:sldSz cx="12192000" cy="6858000"/>
   <p:notesSz cx="6858000" cy="9144000"/>
@@ -129,6 +137,14 @@
             <p14:sldId id="361"/>
             <p14:sldId id="362"/>
             <p14:sldId id="363"/>
+            <p14:sldId id="364"/>
+            <p14:sldId id="365"/>
+            <p14:sldId id="366"/>
+            <p14:sldId id="367"/>
+            <p14:sldId id="368"/>
+            <p14:sldId id="370"/>
+            <p14:sldId id="371"/>
+            <p14:sldId id="372"/>
           </p14:sldIdLst>
         </p14:section>
       </p14:sectionLst>
@@ -8132,6 +8148,2339 @@
 </p:sld>
 </file>
 
+<file path=ppt/slides/slide10.xml><?xml version="1.0" encoding="utf-8"?>
+<p:sld xmlns:a="http://schemas.openxmlformats.org/drawingml/2006/main" xmlns:r="http://schemas.openxmlformats.org/officeDocument/2006/relationships" xmlns:p="http://schemas.openxmlformats.org/presentationml/2006/main">
+  <p:cSld>
+    <p:spTree>
+      <p:nvGrpSpPr>
+        <p:cNvPr id="1" name=""/>
+        <p:cNvGrpSpPr/>
+        <p:nvPr/>
+      </p:nvGrpSpPr>
+      <p:grpSpPr>
+        <a:xfrm>
+          <a:off x="0" y="0"/>
+          <a:ext cx="0" cy="0"/>
+          <a:chOff x="0" y="0"/>
+          <a:chExt cx="0" cy="0"/>
+        </a:xfrm>
+      </p:grpSpPr>
+      <p:sp>
+        <p:nvSpPr>
+          <p:cNvPr id="2" name="Title 1">
+            <a:extLst>
+              <a:ext uri="{FF2B5EF4-FFF2-40B4-BE49-F238E27FC236}">
+                <a16:creationId xmlns:a16="http://schemas.microsoft.com/office/drawing/2014/main" id="{CC06E537-6D48-7345-9AF2-F4C498DD2837}"/>
+              </a:ext>
+            </a:extLst>
+          </p:cNvPr>
+          <p:cNvSpPr>
+            <a:spLocks noGrp="1"/>
+          </p:cNvSpPr>
+          <p:nvPr>
+            <p:ph type="title"/>
+          </p:nvPr>
+        </p:nvSpPr>
+        <p:spPr/>
+        <p:txBody>
+          <a:bodyPr/>
+          <a:lstStyle/>
+          <a:p>
+            <a:r>
+              <a:rPr lang="it-IT" dirty="0" err="1"/>
+              <a:t>Azure</a:t>
+            </a:r>
+            <a:r>
+              <a:rPr lang="it-IT" dirty="0"/>
+              <a:t> mobile </a:t>
+            </a:r>
+            <a:r>
+              <a:rPr lang="it-IT" dirty="0" err="1"/>
+              <a:t>apps</a:t>
+            </a:r>
+            <a:endParaRPr lang="it-IT" dirty="0"/>
+          </a:p>
+        </p:txBody>
+      </p:sp>
+      <p:sp>
+        <p:nvSpPr>
+          <p:cNvPr id="3" name="Content Placeholder 2">
+            <a:extLst>
+              <a:ext uri="{FF2B5EF4-FFF2-40B4-BE49-F238E27FC236}">
+                <a16:creationId xmlns:a16="http://schemas.microsoft.com/office/drawing/2014/main" id="{49EEC712-6C44-284D-83AC-141D3CAAE64A}"/>
+              </a:ext>
+            </a:extLst>
+          </p:cNvPr>
+          <p:cNvSpPr>
+            <a:spLocks noGrp="1"/>
+          </p:cNvSpPr>
+          <p:nvPr>
+            <p:ph idx="1"/>
+          </p:nvPr>
+        </p:nvSpPr>
+        <p:spPr/>
+        <p:txBody>
+          <a:bodyPr>
+            <a:normAutofit lnSpcReduction="10000"/>
+          </a:bodyPr>
+          <a:lstStyle/>
+          <a:p>
+            <a:r>
+              <a:rPr lang="it-IT" dirty="0"/>
+              <a:t>Quando create applicazioni mobile è necessario avere un </a:t>
+            </a:r>
+            <a:r>
+              <a:rPr lang="it-IT" dirty="0" err="1"/>
+              <a:t>backend</a:t>
+            </a:r>
+            <a:r>
+              <a:rPr lang="it-IT" dirty="0"/>
+              <a:t> a cui l’</a:t>
+            </a:r>
+            <a:r>
+              <a:rPr lang="it-IT" dirty="0" err="1"/>
+              <a:t>app</a:t>
+            </a:r>
+            <a:r>
+              <a:rPr lang="it-IT" dirty="0"/>
+              <a:t> possa connettersi</a:t>
+            </a:r>
+          </a:p>
+          <a:p>
+            <a:r>
+              <a:rPr lang="it-IT" dirty="0"/>
+              <a:t>In genere si tratta di qualche API che l’</a:t>
+            </a:r>
+            <a:r>
+              <a:rPr lang="it-IT" dirty="0" err="1"/>
+              <a:t>app</a:t>
+            </a:r>
+            <a:r>
+              <a:rPr lang="it-IT" dirty="0"/>
+              <a:t> può usare per estrarre o salvare dati</a:t>
+            </a:r>
+          </a:p>
+          <a:p>
+            <a:r>
+              <a:rPr lang="it-IT" dirty="0" err="1"/>
+              <a:t>Azure</a:t>
+            </a:r>
+            <a:r>
+              <a:rPr lang="it-IT" dirty="0"/>
+              <a:t> mobile </a:t>
+            </a:r>
+            <a:r>
+              <a:rPr lang="it-IT" dirty="0" err="1"/>
+              <a:t>apps</a:t>
+            </a:r>
+            <a:r>
+              <a:rPr lang="it-IT" dirty="0"/>
+              <a:t> fornisce questo back-end. Potete scriverlo in C# con ASP.NET oppure usare </a:t>
+            </a:r>
+            <a:r>
+              <a:rPr lang="it-IT" dirty="0" err="1"/>
+              <a:t>Javascript</a:t>
+            </a:r>
+            <a:r>
+              <a:rPr lang="it-IT" dirty="0"/>
+              <a:t> con </a:t>
+            </a:r>
+            <a:r>
+              <a:rPr lang="it-IT" dirty="0" err="1"/>
+              <a:t>Node</a:t>
+            </a:r>
+            <a:endParaRPr lang="it-IT" dirty="0"/>
+          </a:p>
+          <a:p>
+            <a:r>
+              <a:rPr lang="it-IT" dirty="0"/>
+              <a:t>Un </a:t>
+            </a:r>
+            <a:r>
+              <a:rPr lang="it-IT" dirty="0" err="1"/>
+              <a:t>backend</a:t>
+            </a:r>
+            <a:r>
+              <a:rPr lang="it-IT" dirty="0"/>
+              <a:t> mobile fornisce servizi davvero unici quali ad esempio la sincronizzazione offline che permette alla mobile </a:t>
+            </a:r>
+            <a:r>
+              <a:rPr lang="it-IT" dirty="0" err="1"/>
+              <a:t>app</a:t>
+            </a:r>
+            <a:r>
+              <a:rPr lang="it-IT" dirty="0"/>
+              <a:t> di continuare a lavorare anche quando non c’è connessione al </a:t>
+            </a:r>
+            <a:r>
+              <a:rPr lang="it-IT" dirty="0" err="1"/>
+              <a:t>backend</a:t>
+            </a:r>
+            <a:r>
+              <a:rPr lang="it-IT" dirty="0"/>
+              <a:t> e sincronizzare le modifiche una volta che torni la connessione</a:t>
+            </a:r>
+          </a:p>
+          <a:p>
+            <a:r>
+              <a:rPr lang="it-IT" dirty="0"/>
+              <a:t>Altro servizio interessante è quello delle </a:t>
+            </a:r>
+            <a:r>
+              <a:rPr lang="it-IT" dirty="0" err="1"/>
+              <a:t>push</a:t>
+            </a:r>
+            <a:r>
+              <a:rPr lang="it-IT" dirty="0"/>
+              <a:t> </a:t>
+            </a:r>
+            <a:r>
+              <a:rPr lang="it-IT" dirty="0" err="1"/>
+              <a:t>notifications</a:t>
+            </a:r>
+            <a:r>
+              <a:rPr lang="it-IT" dirty="0"/>
+              <a:t> da inviare ai dispositivi (siano essi iOS o </a:t>
+            </a:r>
+            <a:r>
+              <a:rPr lang="it-IT" dirty="0" err="1"/>
+              <a:t>Android</a:t>
+            </a:r>
+            <a:r>
+              <a:rPr lang="it-IT" dirty="0"/>
+              <a:t>)</a:t>
+            </a:r>
+          </a:p>
+        </p:txBody>
+      </p:sp>
+      <p:sp>
+        <p:nvSpPr>
+          <p:cNvPr id="4" name="Date Placeholder 3">
+            <a:extLst>
+              <a:ext uri="{FF2B5EF4-FFF2-40B4-BE49-F238E27FC236}">
+                <a16:creationId xmlns:a16="http://schemas.microsoft.com/office/drawing/2014/main" id="{CE25AEA5-7585-E64A-9DCF-E9E7246B6D2D}"/>
+              </a:ext>
+            </a:extLst>
+          </p:cNvPr>
+          <p:cNvSpPr>
+            <a:spLocks noGrp="1"/>
+          </p:cNvSpPr>
+          <p:nvPr>
+            <p:ph type="dt" sz="half" idx="10"/>
+          </p:nvPr>
+        </p:nvSpPr>
+        <p:spPr/>
+        <p:txBody>
+          <a:bodyPr/>
+          <a:lstStyle/>
+          <a:p>
+            <a:fld id="{12FADF34-F6ED-764D-AB9C-0CA3DD6714F2}" type="datetime1">
+              <a:rPr lang="it-IT" smtClean="0"/>
+              <a:t>10/06/18</a:t>
+            </a:fld>
+            <a:endParaRPr lang="en-US" dirty="0"/>
+          </a:p>
+        </p:txBody>
+      </p:sp>
+      <p:sp>
+        <p:nvSpPr>
+          <p:cNvPr id="5" name="Footer Placeholder 4">
+            <a:extLst>
+              <a:ext uri="{FF2B5EF4-FFF2-40B4-BE49-F238E27FC236}">
+                <a16:creationId xmlns:a16="http://schemas.microsoft.com/office/drawing/2014/main" id="{93F81D2F-6628-7648-B5AD-DD8C496D6CE3}"/>
+              </a:ext>
+            </a:extLst>
+          </p:cNvPr>
+          <p:cNvSpPr>
+            <a:spLocks noGrp="1"/>
+          </p:cNvSpPr>
+          <p:nvPr>
+            <p:ph type="ftr" sz="quarter" idx="11"/>
+          </p:nvPr>
+        </p:nvSpPr>
+        <p:spPr/>
+        <p:txBody>
+          <a:bodyPr/>
+          <a:lstStyle/>
+          <a:p>
+            <a:r>
+              <a:rPr lang="en-US"/>
+              <a:t>Salvatore Sorrentino</a:t>
+            </a:r>
+            <a:endParaRPr lang="en-US" dirty="0"/>
+          </a:p>
+        </p:txBody>
+      </p:sp>
+      <p:sp>
+        <p:nvSpPr>
+          <p:cNvPr id="6" name="Slide Number Placeholder 5">
+            <a:extLst>
+              <a:ext uri="{FF2B5EF4-FFF2-40B4-BE49-F238E27FC236}">
+                <a16:creationId xmlns:a16="http://schemas.microsoft.com/office/drawing/2014/main" id="{1FF1A908-63D5-1F45-84B1-0BE7785D7AFD}"/>
+              </a:ext>
+            </a:extLst>
+          </p:cNvPr>
+          <p:cNvSpPr>
+            <a:spLocks noGrp="1"/>
+          </p:cNvSpPr>
+          <p:nvPr>
+            <p:ph type="sldNum" sz="quarter" idx="12"/>
+          </p:nvPr>
+        </p:nvSpPr>
+        <p:spPr/>
+        <p:txBody>
+          <a:bodyPr/>
+          <a:lstStyle/>
+          <a:p>
+            <a:fld id="{D57F1E4F-1CFF-5643-939E-217C01CDF565}" type="slidenum">
+              <a:rPr lang="en-US" smtClean="0"/>
+              <a:pPr/>
+              <a:t>10</a:t>
+            </a:fld>
+            <a:endParaRPr lang="en-US" dirty="0"/>
+          </a:p>
+        </p:txBody>
+      </p:sp>
+    </p:spTree>
+    <p:extLst>
+      <p:ext uri="{BB962C8B-B14F-4D97-AF65-F5344CB8AC3E}">
+        <p14:creationId xmlns:p14="http://schemas.microsoft.com/office/powerpoint/2010/main" val="1955308549"/>
+      </p:ext>
+    </p:extLst>
+  </p:cSld>
+  <p:clrMapOvr>
+    <a:masterClrMapping/>
+  </p:clrMapOvr>
+</p:sld>
+</file>
+
+<file path=ppt/slides/slide11.xml><?xml version="1.0" encoding="utf-8"?>
+<p:sld xmlns:a="http://schemas.openxmlformats.org/drawingml/2006/main" xmlns:r="http://schemas.openxmlformats.org/officeDocument/2006/relationships" xmlns:p="http://schemas.openxmlformats.org/presentationml/2006/main">
+  <p:cSld>
+    <p:spTree>
+      <p:nvGrpSpPr>
+        <p:cNvPr id="1" name=""/>
+        <p:cNvGrpSpPr/>
+        <p:nvPr/>
+      </p:nvGrpSpPr>
+      <p:grpSpPr>
+        <a:xfrm>
+          <a:off x="0" y="0"/>
+          <a:ext cx="0" cy="0"/>
+          <a:chOff x="0" y="0"/>
+          <a:chExt cx="0" cy="0"/>
+        </a:xfrm>
+      </p:grpSpPr>
+      <p:sp>
+        <p:nvSpPr>
+          <p:cNvPr id="2" name="Title 1">
+            <a:extLst>
+              <a:ext uri="{FF2B5EF4-FFF2-40B4-BE49-F238E27FC236}">
+                <a16:creationId xmlns:a16="http://schemas.microsoft.com/office/drawing/2014/main" id="{EEC0EF82-66D9-7E49-BAC7-1EDAF7652A53}"/>
+              </a:ext>
+            </a:extLst>
+          </p:cNvPr>
+          <p:cNvSpPr>
+            <a:spLocks noGrp="1"/>
+          </p:cNvSpPr>
+          <p:nvPr>
+            <p:ph type="title"/>
+          </p:nvPr>
+        </p:nvSpPr>
+        <p:spPr/>
+        <p:txBody>
+          <a:bodyPr/>
+          <a:lstStyle/>
+          <a:p>
+            <a:r>
+              <a:rPr lang="it-IT" dirty="0"/>
+              <a:t>Esercitazione</a:t>
+            </a:r>
+          </a:p>
+        </p:txBody>
+      </p:sp>
+      <p:sp>
+        <p:nvSpPr>
+          <p:cNvPr id="3" name="Content Placeholder 2">
+            <a:extLst>
+              <a:ext uri="{FF2B5EF4-FFF2-40B4-BE49-F238E27FC236}">
+                <a16:creationId xmlns:a16="http://schemas.microsoft.com/office/drawing/2014/main" id="{E5E47FCC-9BE2-8D4A-B84A-82D777936EC3}"/>
+              </a:ext>
+            </a:extLst>
+          </p:cNvPr>
+          <p:cNvSpPr>
+            <a:spLocks noGrp="1"/>
+          </p:cNvSpPr>
+          <p:nvPr>
+            <p:ph idx="1"/>
+          </p:nvPr>
+        </p:nvSpPr>
+        <p:spPr/>
+        <p:txBody>
+          <a:bodyPr/>
+          <a:lstStyle/>
+          <a:p>
+            <a:r>
+              <a:rPr lang="it-IT" dirty="0"/>
+              <a:t>Creare un'</a:t>
+            </a:r>
+            <a:r>
+              <a:rPr lang="it-IT" dirty="0" err="1"/>
+              <a:t>app</a:t>
+            </a:r>
+            <a:r>
+              <a:rPr lang="it-IT" dirty="0"/>
+              <a:t> per </a:t>
+            </a:r>
+            <a:r>
+              <a:rPr lang="it-IT" dirty="0" err="1"/>
+              <a:t>Androind</a:t>
+            </a:r>
+            <a:r>
+              <a:rPr lang="it-IT" dirty="0"/>
+              <a:t> (fermarsi al </a:t>
+            </a:r>
+            <a:r>
+              <a:rPr lang="it-IT" dirty="0" err="1"/>
+              <a:t>backend</a:t>
+            </a:r>
+            <a:r>
+              <a:rPr lang="it-IT" dirty="0"/>
+              <a:t>)</a:t>
+            </a:r>
+          </a:p>
+          <a:p>
+            <a:pPr lvl="1"/>
+            <a:r>
+              <a:rPr lang="it-IT" dirty="0" err="1"/>
+              <a:t>https</a:t>
+            </a:r>
+            <a:r>
+              <a:rPr lang="it-IT" dirty="0"/>
+              <a:t>://</a:t>
+            </a:r>
+            <a:r>
+              <a:rPr lang="it-IT" dirty="0" err="1"/>
+              <a:t>docs.microsoft.com</a:t>
+            </a:r>
+            <a:r>
+              <a:rPr lang="it-IT" dirty="0"/>
+              <a:t>/</a:t>
+            </a:r>
+            <a:r>
+              <a:rPr lang="it-IT" dirty="0" err="1"/>
+              <a:t>it-it</a:t>
+            </a:r>
+            <a:r>
+              <a:rPr lang="it-IT" dirty="0"/>
+              <a:t>/</a:t>
+            </a:r>
+            <a:r>
+              <a:rPr lang="it-IT" dirty="0" err="1"/>
+              <a:t>azure</a:t>
+            </a:r>
+            <a:r>
+              <a:rPr lang="it-IT" dirty="0"/>
+              <a:t>/</a:t>
+            </a:r>
+            <a:r>
+              <a:rPr lang="it-IT" dirty="0" err="1"/>
+              <a:t>app</a:t>
+            </a:r>
+            <a:r>
+              <a:rPr lang="it-IT" dirty="0"/>
+              <a:t>-service-mobile/</a:t>
+            </a:r>
+            <a:r>
+              <a:rPr lang="it-IT" dirty="0" err="1"/>
+              <a:t>app</a:t>
+            </a:r>
+            <a:r>
+              <a:rPr lang="it-IT" dirty="0"/>
+              <a:t>-service-mobile-</a:t>
+            </a:r>
+            <a:r>
+              <a:rPr lang="it-IT" dirty="0" err="1"/>
+              <a:t>cordova</a:t>
+            </a:r>
+            <a:r>
+              <a:rPr lang="it-IT" dirty="0"/>
+              <a:t>-</a:t>
+            </a:r>
+            <a:r>
+              <a:rPr lang="it-IT" dirty="0" err="1"/>
+              <a:t>get-started</a:t>
+            </a:r>
+            <a:endParaRPr lang="it-IT" dirty="0"/>
+          </a:p>
+        </p:txBody>
+      </p:sp>
+      <p:sp>
+        <p:nvSpPr>
+          <p:cNvPr id="4" name="Date Placeholder 3">
+            <a:extLst>
+              <a:ext uri="{FF2B5EF4-FFF2-40B4-BE49-F238E27FC236}">
+                <a16:creationId xmlns:a16="http://schemas.microsoft.com/office/drawing/2014/main" id="{2B4B05EE-38D0-4D43-8B0E-EFF162CBA00F}"/>
+              </a:ext>
+            </a:extLst>
+          </p:cNvPr>
+          <p:cNvSpPr>
+            <a:spLocks noGrp="1"/>
+          </p:cNvSpPr>
+          <p:nvPr>
+            <p:ph type="dt" sz="half" idx="10"/>
+          </p:nvPr>
+        </p:nvSpPr>
+        <p:spPr/>
+        <p:txBody>
+          <a:bodyPr/>
+          <a:lstStyle/>
+          <a:p>
+            <a:fld id="{12FADF34-F6ED-764D-AB9C-0CA3DD6714F2}" type="datetime1">
+              <a:rPr lang="it-IT" smtClean="0"/>
+              <a:t>10/06/18</a:t>
+            </a:fld>
+            <a:endParaRPr lang="en-US" dirty="0"/>
+          </a:p>
+        </p:txBody>
+      </p:sp>
+      <p:sp>
+        <p:nvSpPr>
+          <p:cNvPr id="5" name="Footer Placeholder 4">
+            <a:extLst>
+              <a:ext uri="{FF2B5EF4-FFF2-40B4-BE49-F238E27FC236}">
+                <a16:creationId xmlns:a16="http://schemas.microsoft.com/office/drawing/2014/main" id="{32275BE8-5A64-4042-9FB0-7FD3637581A8}"/>
+              </a:ext>
+            </a:extLst>
+          </p:cNvPr>
+          <p:cNvSpPr>
+            <a:spLocks noGrp="1"/>
+          </p:cNvSpPr>
+          <p:nvPr>
+            <p:ph type="ftr" sz="quarter" idx="11"/>
+          </p:nvPr>
+        </p:nvSpPr>
+        <p:spPr/>
+        <p:txBody>
+          <a:bodyPr/>
+          <a:lstStyle/>
+          <a:p>
+            <a:r>
+              <a:rPr lang="en-US"/>
+              <a:t>Salvatore Sorrentino</a:t>
+            </a:r>
+            <a:endParaRPr lang="en-US" dirty="0"/>
+          </a:p>
+        </p:txBody>
+      </p:sp>
+      <p:sp>
+        <p:nvSpPr>
+          <p:cNvPr id="6" name="Slide Number Placeholder 5">
+            <a:extLst>
+              <a:ext uri="{FF2B5EF4-FFF2-40B4-BE49-F238E27FC236}">
+                <a16:creationId xmlns:a16="http://schemas.microsoft.com/office/drawing/2014/main" id="{B692813C-6C63-344D-9A23-CDA278186AF9}"/>
+              </a:ext>
+            </a:extLst>
+          </p:cNvPr>
+          <p:cNvSpPr>
+            <a:spLocks noGrp="1"/>
+          </p:cNvSpPr>
+          <p:nvPr>
+            <p:ph type="sldNum" sz="quarter" idx="12"/>
+          </p:nvPr>
+        </p:nvSpPr>
+        <p:spPr/>
+        <p:txBody>
+          <a:bodyPr/>
+          <a:lstStyle/>
+          <a:p>
+            <a:fld id="{D57F1E4F-1CFF-5643-939E-217C01CDF565}" type="slidenum">
+              <a:rPr lang="en-US" smtClean="0"/>
+              <a:pPr/>
+              <a:t>11</a:t>
+            </a:fld>
+            <a:endParaRPr lang="en-US" dirty="0"/>
+          </a:p>
+        </p:txBody>
+      </p:sp>
+    </p:spTree>
+    <p:extLst>
+      <p:ext uri="{BB962C8B-B14F-4D97-AF65-F5344CB8AC3E}">
+        <p14:creationId xmlns:p14="http://schemas.microsoft.com/office/powerpoint/2010/main" val="435378865"/>
+      </p:ext>
+    </p:extLst>
+  </p:cSld>
+  <p:clrMapOvr>
+    <a:masterClrMapping/>
+  </p:clrMapOvr>
+</p:sld>
+</file>
+
+<file path=ppt/slides/slide12.xml><?xml version="1.0" encoding="utf-8"?>
+<p:sld xmlns:a="http://schemas.openxmlformats.org/drawingml/2006/main" xmlns:r="http://schemas.openxmlformats.org/officeDocument/2006/relationships" xmlns:p="http://schemas.openxmlformats.org/presentationml/2006/main">
+  <p:cSld>
+    <p:spTree>
+      <p:nvGrpSpPr>
+        <p:cNvPr id="1" name=""/>
+        <p:cNvGrpSpPr/>
+        <p:nvPr/>
+      </p:nvGrpSpPr>
+      <p:grpSpPr>
+        <a:xfrm>
+          <a:off x="0" y="0"/>
+          <a:ext cx="0" cy="0"/>
+          <a:chOff x="0" y="0"/>
+          <a:chExt cx="0" cy="0"/>
+        </a:xfrm>
+      </p:grpSpPr>
+      <p:sp>
+        <p:nvSpPr>
+          <p:cNvPr id="2" name="Title 1">
+            <a:extLst>
+              <a:ext uri="{FF2B5EF4-FFF2-40B4-BE49-F238E27FC236}">
+                <a16:creationId xmlns:a16="http://schemas.microsoft.com/office/drawing/2014/main" id="{20917B07-13EB-984C-B3F4-00BDC5AB3015}"/>
+              </a:ext>
+            </a:extLst>
+          </p:cNvPr>
+          <p:cNvSpPr>
+            <a:spLocks noGrp="1"/>
+          </p:cNvSpPr>
+          <p:nvPr>
+            <p:ph type="title"/>
+          </p:nvPr>
+        </p:nvSpPr>
+        <p:spPr/>
+        <p:txBody>
+          <a:bodyPr/>
+          <a:lstStyle/>
+          <a:p>
+            <a:r>
+              <a:rPr lang="it-IT" dirty="0"/>
+              <a:t>Novità Maggio 2018 – </a:t>
+            </a:r>
+            <a:r>
+              <a:rPr lang="it-IT" dirty="0" err="1"/>
+              <a:t>Devops</a:t>
+            </a:r>
+            <a:r>
+              <a:rPr lang="it-IT" dirty="0"/>
+              <a:t> </a:t>
+            </a:r>
+            <a:r>
+              <a:rPr lang="it-IT" dirty="0" err="1"/>
+              <a:t>project</a:t>
+            </a:r>
+            <a:endParaRPr lang="it-IT" dirty="0"/>
+          </a:p>
+        </p:txBody>
+      </p:sp>
+      <p:pic>
+        <p:nvPicPr>
+          <p:cNvPr id="8" name="Content Placeholder 7">
+            <a:extLst>
+              <a:ext uri="{FF2B5EF4-FFF2-40B4-BE49-F238E27FC236}">
+                <a16:creationId xmlns:a16="http://schemas.microsoft.com/office/drawing/2014/main" id="{479D8514-2093-7F48-888F-161848C16C0A}"/>
+              </a:ext>
+            </a:extLst>
+          </p:cNvPr>
+          <p:cNvPicPr>
+            <a:picLocks noGrp="1" noChangeAspect="1"/>
+          </p:cNvPicPr>
+          <p:nvPr>
+            <p:ph idx="1"/>
+          </p:nvPr>
+        </p:nvPicPr>
+        <p:blipFill>
+          <a:blip r:embed="rId2"/>
+          <a:stretch>
+            <a:fillRect/>
+          </a:stretch>
+        </p:blipFill>
+        <p:spPr>
+          <a:xfrm>
+            <a:off x="1174418" y="2061557"/>
+            <a:ext cx="11017582" cy="2791243"/>
+          </a:xfrm>
+        </p:spPr>
+      </p:pic>
+      <p:sp>
+        <p:nvSpPr>
+          <p:cNvPr id="4" name="Date Placeholder 3">
+            <a:extLst>
+              <a:ext uri="{FF2B5EF4-FFF2-40B4-BE49-F238E27FC236}">
+                <a16:creationId xmlns:a16="http://schemas.microsoft.com/office/drawing/2014/main" id="{B203F14B-51EE-F444-9BFF-01880B6B8A09}"/>
+              </a:ext>
+            </a:extLst>
+          </p:cNvPr>
+          <p:cNvSpPr>
+            <a:spLocks noGrp="1"/>
+          </p:cNvSpPr>
+          <p:nvPr>
+            <p:ph type="dt" sz="half" idx="10"/>
+          </p:nvPr>
+        </p:nvSpPr>
+        <p:spPr/>
+        <p:txBody>
+          <a:bodyPr/>
+          <a:lstStyle/>
+          <a:p>
+            <a:fld id="{12FADF34-F6ED-764D-AB9C-0CA3DD6714F2}" type="datetime1">
+              <a:rPr lang="it-IT" smtClean="0"/>
+              <a:t>10/06/18</a:t>
+            </a:fld>
+            <a:endParaRPr lang="en-US" dirty="0"/>
+          </a:p>
+        </p:txBody>
+      </p:sp>
+      <p:sp>
+        <p:nvSpPr>
+          <p:cNvPr id="5" name="Footer Placeholder 4">
+            <a:extLst>
+              <a:ext uri="{FF2B5EF4-FFF2-40B4-BE49-F238E27FC236}">
+                <a16:creationId xmlns:a16="http://schemas.microsoft.com/office/drawing/2014/main" id="{75BCE5AB-2806-E444-9084-A1E599C2D6EE}"/>
+              </a:ext>
+            </a:extLst>
+          </p:cNvPr>
+          <p:cNvSpPr>
+            <a:spLocks noGrp="1"/>
+          </p:cNvSpPr>
+          <p:nvPr>
+            <p:ph type="ftr" sz="quarter" idx="11"/>
+          </p:nvPr>
+        </p:nvSpPr>
+        <p:spPr/>
+        <p:txBody>
+          <a:bodyPr/>
+          <a:lstStyle/>
+          <a:p>
+            <a:r>
+              <a:rPr lang="en-US"/>
+              <a:t>Salvatore Sorrentino</a:t>
+            </a:r>
+            <a:endParaRPr lang="en-US" dirty="0"/>
+          </a:p>
+        </p:txBody>
+      </p:sp>
+      <p:sp>
+        <p:nvSpPr>
+          <p:cNvPr id="6" name="Slide Number Placeholder 5">
+            <a:extLst>
+              <a:ext uri="{FF2B5EF4-FFF2-40B4-BE49-F238E27FC236}">
+                <a16:creationId xmlns:a16="http://schemas.microsoft.com/office/drawing/2014/main" id="{25EE6026-482B-6141-86F5-7FF893F8EDC4}"/>
+              </a:ext>
+            </a:extLst>
+          </p:cNvPr>
+          <p:cNvSpPr>
+            <a:spLocks noGrp="1"/>
+          </p:cNvSpPr>
+          <p:nvPr>
+            <p:ph type="sldNum" sz="quarter" idx="12"/>
+          </p:nvPr>
+        </p:nvSpPr>
+        <p:spPr/>
+        <p:txBody>
+          <a:bodyPr/>
+          <a:lstStyle/>
+          <a:p>
+            <a:fld id="{D57F1E4F-1CFF-5643-939E-217C01CDF565}" type="slidenum">
+              <a:rPr lang="en-US" smtClean="0"/>
+              <a:pPr/>
+              <a:t>12</a:t>
+            </a:fld>
+            <a:endParaRPr lang="en-US" dirty="0"/>
+          </a:p>
+        </p:txBody>
+      </p:sp>
+    </p:spTree>
+    <p:extLst>
+      <p:ext uri="{BB962C8B-B14F-4D97-AF65-F5344CB8AC3E}">
+        <p14:creationId xmlns:p14="http://schemas.microsoft.com/office/powerpoint/2010/main" val="510953559"/>
+      </p:ext>
+    </p:extLst>
+  </p:cSld>
+  <p:clrMapOvr>
+    <a:masterClrMapping/>
+  </p:clrMapOvr>
+</p:sld>
+</file>
+
+<file path=ppt/slides/slide13.xml><?xml version="1.0" encoding="utf-8"?>
+<p:sld xmlns:a="http://schemas.openxmlformats.org/drawingml/2006/main" xmlns:r="http://schemas.openxmlformats.org/officeDocument/2006/relationships" xmlns:p="http://schemas.openxmlformats.org/presentationml/2006/main">
+  <p:cSld>
+    <p:bg>
+      <p:bgPr>
+        <a:gradFill rotWithShape="1">
+          <a:gsLst>
+            <a:gs pos="0">
+              <a:schemeClr val="bg2">
+                <a:tint val="90000"/>
+                <a:satMod val="92000"/>
+                <a:lumMod val="120000"/>
+              </a:schemeClr>
+            </a:gs>
+            <a:gs pos="100000">
+              <a:schemeClr val="bg2">
+                <a:shade val="98000"/>
+                <a:satMod val="120000"/>
+                <a:lumMod val="98000"/>
+              </a:schemeClr>
+            </a:gs>
+          </a:gsLst>
+          <a:path path="circle">
+            <a:fillToRect l="50000" t="50000" r="100000" b="100000"/>
+          </a:path>
+        </a:gradFill>
+        <a:effectLst/>
+      </p:bgPr>
+    </p:bg>
+    <p:spTree>
+      <p:nvGrpSpPr>
+        <p:cNvPr id="1" name=""/>
+        <p:cNvGrpSpPr/>
+        <p:nvPr/>
+      </p:nvGrpSpPr>
+      <p:grpSpPr>
+        <a:xfrm>
+          <a:off x="0" y="0"/>
+          <a:ext cx="0" cy="0"/>
+          <a:chOff x="0" y="0"/>
+          <a:chExt cx="0" cy="0"/>
+        </a:xfrm>
+      </p:grpSpPr>
+      <p:sp>
+        <p:nvSpPr>
+          <p:cNvPr id="11" name="Rectangle 10">
+            <a:extLst>
+              <a:ext uri="{FF2B5EF4-FFF2-40B4-BE49-F238E27FC236}">
+                <a16:creationId xmlns:a16="http://schemas.microsoft.com/office/drawing/2014/main" id="{01520B72-94C4-4ABB-AC64-A3382705BE06}"/>
+              </a:ext>
+              <a:ext uri="{C183D7F6-B498-43B3-948B-1728B52AA6E4}">
+                <adec:decorative xmlns:adec="http://schemas.microsoft.com/office/drawing/2017/decorative" val="1"/>
+              </a:ext>
+            </a:extLst>
+          </p:cNvPr>
+          <p:cNvSpPr>
+            <a:spLocks noGrp="1" noRot="1" noChangeAspect="1" noMove="1" noResize="1" noEditPoints="1" noAdjustHandles="1" noChangeArrowheads="1" noChangeShapeType="1" noTextEdit="1"/>
+          </p:cNvSpPr>
+          <p:nvPr>
+            <p:extLst>
+              <p:ext uri="{386F3935-93C4-4BCD-93E2-E3B085C9AB24}">
+                <p16:designElem xmlns:p16="http://schemas.microsoft.com/office/powerpoint/2015/main" val="1"/>
+              </p:ext>
+            </p:extLst>
+          </p:nvPr>
+        </p:nvSpPr>
+        <p:spPr>
+          <a:xfrm>
+            <a:off x="0" y="0"/>
+            <a:ext cx="12192000" cy="6858000"/>
+          </a:xfrm>
+          <a:prstGeom prst="rect">
+            <a:avLst/>
+          </a:prstGeom>
+          <a:solidFill>
+            <a:schemeClr val="tx1">
+              <a:lumMod val="65000"/>
+              <a:lumOff val="35000"/>
+            </a:schemeClr>
+          </a:solidFill>
+          <a:ln>
+            <a:noFill/>
+          </a:ln>
+        </p:spPr>
+        <p:style>
+          <a:lnRef idx="2">
+            <a:schemeClr val="accent1">
+              <a:shade val="50000"/>
+            </a:schemeClr>
+          </a:lnRef>
+          <a:fillRef idx="1">
+            <a:schemeClr val="accent1"/>
+          </a:fillRef>
+          <a:effectRef idx="0">
+            <a:schemeClr val="accent1"/>
+          </a:effectRef>
+          <a:fontRef idx="minor">
+            <a:schemeClr val="lt1"/>
+          </a:fontRef>
+        </p:style>
+        <p:txBody>
+          <a:bodyPr rtlCol="0" anchor="ctr"/>
+          <a:lstStyle/>
+          <a:p>
+            <a:pPr algn="ctr"/>
+            <a:endParaRPr lang="en-US"/>
+          </a:p>
+        </p:txBody>
+      </p:sp>
+      <p:sp>
+        <p:nvSpPr>
+          <p:cNvPr id="13" name="Rectangle 12">
+            <a:extLst>
+              <a:ext uri="{FF2B5EF4-FFF2-40B4-BE49-F238E27FC236}">
+                <a16:creationId xmlns:a16="http://schemas.microsoft.com/office/drawing/2014/main" id="{9A64CBFD-D6E8-4E6A-8F66-1948BED33157}"/>
+              </a:ext>
+              <a:ext uri="{C183D7F6-B498-43B3-948B-1728B52AA6E4}">
+                <adec:decorative xmlns:adec="http://schemas.microsoft.com/office/drawing/2017/decorative" val="1"/>
+              </a:ext>
+            </a:extLst>
+          </p:cNvPr>
+          <p:cNvSpPr>
+            <a:spLocks noGrp="1" noRot="1" noChangeAspect="1" noMove="1" noResize="1" noEditPoints="1" noAdjustHandles="1" noChangeArrowheads="1" noChangeShapeType="1" noTextEdit="1"/>
+          </p:cNvSpPr>
+          <p:nvPr>
+            <p:extLst>
+              <p:ext uri="{386F3935-93C4-4BCD-93E2-E3B085C9AB24}">
+                <p16:designElem xmlns:p16="http://schemas.microsoft.com/office/powerpoint/2015/main" val="1"/>
+              </p:ext>
+            </p:extLst>
+          </p:nvPr>
+        </p:nvSpPr>
+        <p:spPr>
+          <a:xfrm>
+            <a:off x="477012" y="480060"/>
+            <a:ext cx="11237976" cy="5897880"/>
+          </a:xfrm>
+          <a:prstGeom prst="rect">
+            <a:avLst/>
+          </a:prstGeom>
+          <a:solidFill>
+            <a:srgbClr val="FFFFFF"/>
+          </a:solidFill>
+          <a:ln>
+            <a:noFill/>
+          </a:ln>
+        </p:spPr>
+        <p:style>
+          <a:lnRef idx="2">
+            <a:schemeClr val="accent1">
+              <a:shade val="50000"/>
+            </a:schemeClr>
+          </a:lnRef>
+          <a:fillRef idx="1">
+            <a:schemeClr val="accent1"/>
+          </a:fillRef>
+          <a:effectRef idx="0">
+            <a:schemeClr val="accent1"/>
+          </a:effectRef>
+          <a:fontRef idx="minor">
+            <a:schemeClr val="lt1"/>
+          </a:fontRef>
+        </p:style>
+        <p:txBody>
+          <a:bodyPr rtlCol="0" anchor="ctr"/>
+          <a:lstStyle/>
+          <a:p>
+            <a:pPr algn="ctr"/>
+            <a:endParaRPr lang="en-US"/>
+          </a:p>
+        </p:txBody>
+      </p:sp>
+      <p:pic>
+        <p:nvPicPr>
+          <p:cNvPr id="6" name="Picture 5">
+            <a:extLst>
+              <a:ext uri="{FF2B5EF4-FFF2-40B4-BE49-F238E27FC236}">
+                <a16:creationId xmlns:a16="http://schemas.microsoft.com/office/drawing/2014/main" id="{19E2C818-5E69-8C4F-802F-364CA7E2E9ED}"/>
+              </a:ext>
+            </a:extLst>
+          </p:cNvPr>
+          <p:cNvPicPr>
+            <a:picLocks noChangeAspect="1"/>
+          </p:cNvPicPr>
+          <p:nvPr/>
+        </p:nvPicPr>
+        <p:blipFill>
+          <a:blip r:embed="rId2"/>
+          <a:stretch>
+            <a:fillRect/>
+          </a:stretch>
+        </p:blipFill>
+        <p:spPr>
+          <a:xfrm>
+            <a:off x="643467" y="1384300"/>
+            <a:ext cx="10905066" cy="4089400"/>
+          </a:xfrm>
+          <a:prstGeom prst="rect">
+            <a:avLst/>
+          </a:prstGeom>
+        </p:spPr>
+      </p:pic>
+      <p:sp>
+        <p:nvSpPr>
+          <p:cNvPr id="4" name="Slide Number Placeholder 3">
+            <a:extLst>
+              <a:ext uri="{FF2B5EF4-FFF2-40B4-BE49-F238E27FC236}">
+                <a16:creationId xmlns:a16="http://schemas.microsoft.com/office/drawing/2014/main" id="{CF16B349-B0DD-D54D-BBFC-CA1D8F175622}"/>
+              </a:ext>
+            </a:extLst>
+          </p:cNvPr>
+          <p:cNvSpPr>
+            <a:spLocks noGrp="1"/>
+          </p:cNvSpPr>
+          <p:nvPr>
+            <p:ph type="sldNum" sz="quarter" idx="12"/>
+          </p:nvPr>
+        </p:nvSpPr>
+        <p:spPr>
+          <a:xfrm>
+            <a:off x="531812" y="6349513"/>
+            <a:ext cx="779767" cy="370396"/>
+          </a:xfrm>
+        </p:spPr>
+        <p:txBody>
+          <a:bodyPr>
+            <a:normAutofit/>
+          </a:bodyPr>
+          <a:lstStyle/>
+          <a:p>
+            <a:pPr>
+              <a:spcAft>
+                <a:spcPts val="600"/>
+              </a:spcAft>
+            </a:pPr>
+            <a:fld id="{D57F1E4F-1CFF-5643-939E-217C01CDF565}" type="slidenum">
+              <a:rPr lang="en-US" sz="900">
+                <a:solidFill>
+                  <a:schemeClr val="bg1"/>
+                </a:solidFill>
+              </a:rPr>
+              <a:pPr>
+                <a:spcAft>
+                  <a:spcPts val="600"/>
+                </a:spcAft>
+              </a:pPr>
+              <a:t>2</a:t>
+            </a:fld>
+            <a:endParaRPr lang="en-US" sz="900">
+              <a:solidFill>
+                <a:schemeClr val="bg1"/>
+              </a:solidFill>
+            </a:endParaRPr>
+          </a:p>
+        </p:txBody>
+      </p:sp>
+      <p:sp>
+        <p:nvSpPr>
+          <p:cNvPr id="3" name="Footer Placeholder 2">
+            <a:extLst>
+              <a:ext uri="{FF2B5EF4-FFF2-40B4-BE49-F238E27FC236}">
+                <a16:creationId xmlns:a16="http://schemas.microsoft.com/office/drawing/2014/main" id="{EBF86CD6-4EDA-E74B-9EF9-7E172772BEBB}"/>
+              </a:ext>
+            </a:extLst>
+          </p:cNvPr>
+          <p:cNvSpPr>
+            <a:spLocks noGrp="1"/>
+          </p:cNvSpPr>
+          <p:nvPr>
+            <p:ph type="ftr" sz="quarter" idx="11"/>
+          </p:nvPr>
+        </p:nvSpPr>
+        <p:spPr>
+          <a:xfrm>
+            <a:off x="2589212" y="6354883"/>
+            <a:ext cx="7619999" cy="365125"/>
+          </a:xfrm>
+        </p:spPr>
+        <p:txBody>
+          <a:bodyPr>
+            <a:normAutofit/>
+          </a:bodyPr>
+          <a:lstStyle/>
+          <a:p>
+            <a:pPr>
+              <a:spcAft>
+                <a:spcPts val="600"/>
+              </a:spcAft>
+            </a:pPr>
+            <a:r>
+              <a:rPr lang="en-US">
+                <a:solidFill>
+                  <a:schemeClr val="bg1"/>
+                </a:solidFill>
+              </a:rPr>
+              <a:t>Salvatore Sorrentino</a:t>
+            </a:r>
+          </a:p>
+        </p:txBody>
+      </p:sp>
+      <p:sp>
+        <p:nvSpPr>
+          <p:cNvPr id="2" name="Date Placeholder 1">
+            <a:extLst>
+              <a:ext uri="{FF2B5EF4-FFF2-40B4-BE49-F238E27FC236}">
+                <a16:creationId xmlns:a16="http://schemas.microsoft.com/office/drawing/2014/main" id="{E4E1DBE8-5ED4-4944-9123-D5FDAEA740D7}"/>
+              </a:ext>
+            </a:extLst>
+          </p:cNvPr>
+          <p:cNvSpPr>
+            <a:spLocks noGrp="1"/>
+          </p:cNvSpPr>
+          <p:nvPr>
+            <p:ph type="dt" sz="half" idx="10"/>
+          </p:nvPr>
+        </p:nvSpPr>
+        <p:spPr>
+          <a:xfrm>
+            <a:off x="10361612" y="6349512"/>
+            <a:ext cx="1146283" cy="370396"/>
+          </a:xfrm>
+        </p:spPr>
+        <p:txBody>
+          <a:bodyPr>
+            <a:normAutofit/>
+          </a:bodyPr>
+          <a:lstStyle/>
+          <a:p>
+            <a:pPr>
+              <a:spcAft>
+                <a:spcPts val="600"/>
+              </a:spcAft>
+            </a:pPr>
+            <a:fld id="{386BF708-07C7-734A-9BDD-03043652E280}" type="datetime1">
+              <a:rPr lang="it-IT">
+                <a:solidFill>
+                  <a:schemeClr val="bg1"/>
+                </a:solidFill>
+              </a:rPr>
+              <a:pPr>
+                <a:spcAft>
+                  <a:spcPts val="600"/>
+                </a:spcAft>
+              </a:pPr>
+              <a:t>10/06/18</a:t>
+            </a:fld>
+            <a:endParaRPr lang="en-US">
+              <a:solidFill>
+                <a:schemeClr val="bg1"/>
+              </a:solidFill>
+            </a:endParaRPr>
+          </a:p>
+        </p:txBody>
+      </p:sp>
+    </p:spTree>
+    <p:extLst>
+      <p:ext uri="{BB962C8B-B14F-4D97-AF65-F5344CB8AC3E}">
+        <p14:creationId xmlns:p14="http://schemas.microsoft.com/office/powerpoint/2010/main" val="120279909"/>
+      </p:ext>
+    </p:extLst>
+  </p:cSld>
+  <p:clrMapOvr>
+    <a:masterClrMapping/>
+  </p:clrMapOvr>
+</p:sld>
+</file>
+
+<file path=ppt/slides/slide14.xml><?xml version="1.0" encoding="utf-8"?>
+<p:sld xmlns:a="http://schemas.openxmlformats.org/drawingml/2006/main" xmlns:r="http://schemas.openxmlformats.org/officeDocument/2006/relationships" xmlns:p="http://schemas.openxmlformats.org/presentationml/2006/main">
+  <p:cSld>
+    <p:bg>
+      <p:bgPr>
+        <a:gradFill rotWithShape="1">
+          <a:gsLst>
+            <a:gs pos="0">
+              <a:schemeClr val="bg2">
+                <a:tint val="90000"/>
+                <a:satMod val="92000"/>
+                <a:lumMod val="120000"/>
+              </a:schemeClr>
+            </a:gs>
+            <a:gs pos="100000">
+              <a:schemeClr val="bg2">
+                <a:shade val="98000"/>
+                <a:satMod val="120000"/>
+                <a:lumMod val="98000"/>
+              </a:schemeClr>
+            </a:gs>
+          </a:gsLst>
+          <a:path path="circle">
+            <a:fillToRect l="50000" t="50000" r="100000" b="100000"/>
+          </a:path>
+        </a:gradFill>
+        <a:effectLst/>
+      </p:bgPr>
+    </p:bg>
+    <p:spTree>
+      <p:nvGrpSpPr>
+        <p:cNvPr id="1" name=""/>
+        <p:cNvGrpSpPr/>
+        <p:nvPr/>
+      </p:nvGrpSpPr>
+      <p:grpSpPr>
+        <a:xfrm>
+          <a:off x="0" y="0"/>
+          <a:ext cx="0" cy="0"/>
+          <a:chOff x="0" y="0"/>
+          <a:chExt cx="0" cy="0"/>
+        </a:xfrm>
+      </p:grpSpPr>
+      <p:sp>
+        <p:nvSpPr>
+          <p:cNvPr id="11" name="Rectangle 10">
+            <a:extLst>
+              <a:ext uri="{FF2B5EF4-FFF2-40B4-BE49-F238E27FC236}">
+                <a16:creationId xmlns:a16="http://schemas.microsoft.com/office/drawing/2014/main" id="{01520B72-94C4-4ABB-AC64-A3382705BE06}"/>
+              </a:ext>
+              <a:ext uri="{C183D7F6-B498-43B3-948B-1728B52AA6E4}">
+                <adec:decorative xmlns:adec="http://schemas.microsoft.com/office/drawing/2017/decorative" val="1"/>
+              </a:ext>
+            </a:extLst>
+          </p:cNvPr>
+          <p:cNvSpPr>
+            <a:spLocks noGrp="1" noRot="1" noChangeAspect="1" noMove="1" noResize="1" noEditPoints="1" noAdjustHandles="1" noChangeArrowheads="1" noChangeShapeType="1" noTextEdit="1"/>
+          </p:cNvSpPr>
+          <p:nvPr>
+            <p:extLst>
+              <p:ext uri="{386F3935-93C4-4BCD-93E2-E3B085C9AB24}">
+                <p16:designElem xmlns:p16="http://schemas.microsoft.com/office/powerpoint/2015/main" val="1"/>
+              </p:ext>
+            </p:extLst>
+          </p:nvPr>
+        </p:nvSpPr>
+        <p:spPr>
+          <a:xfrm>
+            <a:off x="0" y="0"/>
+            <a:ext cx="12192000" cy="6858000"/>
+          </a:xfrm>
+          <a:prstGeom prst="rect">
+            <a:avLst/>
+          </a:prstGeom>
+          <a:solidFill>
+            <a:srgbClr val="3B4751"/>
+          </a:solidFill>
+          <a:ln>
+            <a:noFill/>
+          </a:ln>
+        </p:spPr>
+        <p:style>
+          <a:lnRef idx="2">
+            <a:schemeClr val="accent1">
+              <a:shade val="50000"/>
+            </a:schemeClr>
+          </a:lnRef>
+          <a:fillRef idx="1">
+            <a:schemeClr val="accent1"/>
+          </a:fillRef>
+          <a:effectRef idx="0">
+            <a:schemeClr val="accent1"/>
+          </a:effectRef>
+          <a:fontRef idx="minor">
+            <a:schemeClr val="lt1"/>
+          </a:fontRef>
+        </p:style>
+        <p:txBody>
+          <a:bodyPr rtlCol="0" anchor="ctr"/>
+          <a:lstStyle/>
+          <a:p>
+            <a:pPr algn="ctr"/>
+            <a:endParaRPr lang="en-US"/>
+          </a:p>
+        </p:txBody>
+      </p:sp>
+      <p:sp>
+        <p:nvSpPr>
+          <p:cNvPr id="13" name="Rectangle 12">
+            <a:extLst>
+              <a:ext uri="{FF2B5EF4-FFF2-40B4-BE49-F238E27FC236}">
+                <a16:creationId xmlns:a16="http://schemas.microsoft.com/office/drawing/2014/main" id="{9A64CBFD-D6E8-4E6A-8F66-1948BED33157}"/>
+              </a:ext>
+              <a:ext uri="{C183D7F6-B498-43B3-948B-1728B52AA6E4}">
+                <adec:decorative xmlns:adec="http://schemas.microsoft.com/office/drawing/2017/decorative" val="1"/>
+              </a:ext>
+            </a:extLst>
+          </p:cNvPr>
+          <p:cNvSpPr>
+            <a:spLocks noGrp="1" noRot="1" noChangeAspect="1" noMove="1" noResize="1" noEditPoints="1" noAdjustHandles="1" noChangeArrowheads="1" noChangeShapeType="1" noTextEdit="1"/>
+          </p:cNvSpPr>
+          <p:nvPr>
+            <p:extLst>
+              <p:ext uri="{386F3935-93C4-4BCD-93E2-E3B085C9AB24}">
+                <p16:designElem xmlns:p16="http://schemas.microsoft.com/office/powerpoint/2015/main" val="1"/>
+              </p:ext>
+            </p:extLst>
+          </p:nvPr>
+        </p:nvSpPr>
+        <p:spPr>
+          <a:xfrm>
+            <a:off x="477012" y="480060"/>
+            <a:ext cx="11237976" cy="5897880"/>
+          </a:xfrm>
+          <a:prstGeom prst="rect">
+            <a:avLst/>
+          </a:prstGeom>
+          <a:solidFill>
+            <a:srgbClr val="FFFFFF"/>
+          </a:solidFill>
+          <a:ln>
+            <a:noFill/>
+          </a:ln>
+        </p:spPr>
+        <p:style>
+          <a:lnRef idx="2">
+            <a:schemeClr val="accent1">
+              <a:shade val="50000"/>
+            </a:schemeClr>
+          </a:lnRef>
+          <a:fillRef idx="1">
+            <a:schemeClr val="accent1"/>
+          </a:fillRef>
+          <a:effectRef idx="0">
+            <a:schemeClr val="accent1"/>
+          </a:effectRef>
+          <a:fontRef idx="minor">
+            <a:schemeClr val="lt1"/>
+          </a:fontRef>
+        </p:style>
+        <p:txBody>
+          <a:bodyPr rtlCol="0" anchor="ctr"/>
+          <a:lstStyle/>
+          <a:p>
+            <a:pPr algn="ctr"/>
+            <a:endParaRPr lang="en-US"/>
+          </a:p>
+        </p:txBody>
+      </p:sp>
+      <p:pic>
+        <p:nvPicPr>
+          <p:cNvPr id="6" name="Picture 5">
+            <a:extLst>
+              <a:ext uri="{FF2B5EF4-FFF2-40B4-BE49-F238E27FC236}">
+                <a16:creationId xmlns:a16="http://schemas.microsoft.com/office/drawing/2014/main" id="{1DCC6481-4ECB-D54C-BD89-81903EA4A712}"/>
+              </a:ext>
+            </a:extLst>
+          </p:cNvPr>
+          <p:cNvPicPr>
+            <a:picLocks noChangeAspect="1"/>
+          </p:cNvPicPr>
+          <p:nvPr/>
+        </p:nvPicPr>
+        <p:blipFill>
+          <a:blip r:embed="rId2"/>
+          <a:stretch>
+            <a:fillRect/>
+          </a:stretch>
+        </p:blipFill>
+        <p:spPr>
+          <a:xfrm>
+            <a:off x="660815" y="643467"/>
+            <a:ext cx="10870370" cy="5571066"/>
+          </a:xfrm>
+          <a:prstGeom prst="rect">
+            <a:avLst/>
+          </a:prstGeom>
+        </p:spPr>
+      </p:pic>
+      <p:sp>
+        <p:nvSpPr>
+          <p:cNvPr id="4" name="Slide Number Placeholder 3">
+            <a:extLst>
+              <a:ext uri="{FF2B5EF4-FFF2-40B4-BE49-F238E27FC236}">
+                <a16:creationId xmlns:a16="http://schemas.microsoft.com/office/drawing/2014/main" id="{3FC1562D-F4F5-3F4B-BC50-9137EAECC711}"/>
+              </a:ext>
+            </a:extLst>
+          </p:cNvPr>
+          <p:cNvSpPr>
+            <a:spLocks noGrp="1"/>
+          </p:cNvSpPr>
+          <p:nvPr>
+            <p:ph type="sldNum" sz="quarter" idx="12"/>
+          </p:nvPr>
+        </p:nvSpPr>
+        <p:spPr>
+          <a:xfrm>
+            <a:off x="531812" y="6349513"/>
+            <a:ext cx="779767" cy="370396"/>
+          </a:xfrm>
+        </p:spPr>
+        <p:txBody>
+          <a:bodyPr>
+            <a:normAutofit/>
+          </a:bodyPr>
+          <a:lstStyle/>
+          <a:p>
+            <a:pPr>
+              <a:spcAft>
+                <a:spcPts val="600"/>
+              </a:spcAft>
+            </a:pPr>
+            <a:fld id="{D57F1E4F-1CFF-5643-939E-217C01CDF565}" type="slidenum">
+              <a:rPr lang="en-US" sz="900">
+                <a:solidFill>
+                  <a:schemeClr val="bg1"/>
+                </a:solidFill>
+              </a:rPr>
+              <a:pPr>
+                <a:spcAft>
+                  <a:spcPts val="600"/>
+                </a:spcAft>
+              </a:pPr>
+              <a:t>2</a:t>
+            </a:fld>
+            <a:endParaRPr lang="en-US" sz="900">
+              <a:solidFill>
+                <a:schemeClr val="bg1"/>
+              </a:solidFill>
+            </a:endParaRPr>
+          </a:p>
+        </p:txBody>
+      </p:sp>
+      <p:sp>
+        <p:nvSpPr>
+          <p:cNvPr id="3" name="Footer Placeholder 2">
+            <a:extLst>
+              <a:ext uri="{FF2B5EF4-FFF2-40B4-BE49-F238E27FC236}">
+                <a16:creationId xmlns:a16="http://schemas.microsoft.com/office/drawing/2014/main" id="{96501895-5839-8A4B-BF8B-FBE5D58AE476}"/>
+              </a:ext>
+            </a:extLst>
+          </p:cNvPr>
+          <p:cNvSpPr>
+            <a:spLocks noGrp="1"/>
+          </p:cNvSpPr>
+          <p:nvPr>
+            <p:ph type="ftr" sz="quarter" idx="11"/>
+          </p:nvPr>
+        </p:nvSpPr>
+        <p:spPr>
+          <a:xfrm>
+            <a:off x="2589212" y="6354883"/>
+            <a:ext cx="7619999" cy="365125"/>
+          </a:xfrm>
+        </p:spPr>
+        <p:txBody>
+          <a:bodyPr>
+            <a:normAutofit/>
+          </a:bodyPr>
+          <a:lstStyle/>
+          <a:p>
+            <a:pPr>
+              <a:spcAft>
+                <a:spcPts val="600"/>
+              </a:spcAft>
+            </a:pPr>
+            <a:r>
+              <a:rPr lang="en-US">
+                <a:solidFill>
+                  <a:schemeClr val="bg1"/>
+                </a:solidFill>
+              </a:rPr>
+              <a:t>Salvatore Sorrentino</a:t>
+            </a:r>
+          </a:p>
+        </p:txBody>
+      </p:sp>
+      <p:sp>
+        <p:nvSpPr>
+          <p:cNvPr id="2" name="Date Placeholder 1">
+            <a:extLst>
+              <a:ext uri="{FF2B5EF4-FFF2-40B4-BE49-F238E27FC236}">
+                <a16:creationId xmlns:a16="http://schemas.microsoft.com/office/drawing/2014/main" id="{A244F3E7-1C58-9F44-B778-200E697C0DF4}"/>
+              </a:ext>
+            </a:extLst>
+          </p:cNvPr>
+          <p:cNvSpPr>
+            <a:spLocks noGrp="1"/>
+          </p:cNvSpPr>
+          <p:nvPr>
+            <p:ph type="dt" sz="half" idx="10"/>
+          </p:nvPr>
+        </p:nvSpPr>
+        <p:spPr>
+          <a:xfrm>
+            <a:off x="10361612" y="6349512"/>
+            <a:ext cx="1146283" cy="370396"/>
+          </a:xfrm>
+        </p:spPr>
+        <p:txBody>
+          <a:bodyPr>
+            <a:normAutofit/>
+          </a:bodyPr>
+          <a:lstStyle/>
+          <a:p>
+            <a:pPr>
+              <a:spcAft>
+                <a:spcPts val="600"/>
+              </a:spcAft>
+            </a:pPr>
+            <a:fld id="{386BF708-07C7-734A-9BDD-03043652E280}" type="datetime1">
+              <a:rPr lang="it-IT">
+                <a:solidFill>
+                  <a:schemeClr val="bg1"/>
+                </a:solidFill>
+              </a:rPr>
+              <a:pPr>
+                <a:spcAft>
+                  <a:spcPts val="600"/>
+                </a:spcAft>
+              </a:pPr>
+              <a:t>10/06/18</a:t>
+            </a:fld>
+            <a:endParaRPr lang="en-US">
+              <a:solidFill>
+                <a:schemeClr val="bg1"/>
+              </a:solidFill>
+            </a:endParaRPr>
+          </a:p>
+        </p:txBody>
+      </p:sp>
+    </p:spTree>
+    <p:extLst>
+      <p:ext uri="{BB962C8B-B14F-4D97-AF65-F5344CB8AC3E}">
+        <p14:creationId xmlns:p14="http://schemas.microsoft.com/office/powerpoint/2010/main" val="450816173"/>
+      </p:ext>
+    </p:extLst>
+  </p:cSld>
+  <p:clrMapOvr>
+    <a:masterClrMapping/>
+  </p:clrMapOvr>
+</p:sld>
+</file>
+
+<file path=ppt/slides/slide15.xml><?xml version="1.0" encoding="utf-8"?>
+<p:sld xmlns:a="http://schemas.openxmlformats.org/drawingml/2006/main" xmlns:r="http://schemas.openxmlformats.org/officeDocument/2006/relationships" xmlns:p="http://schemas.openxmlformats.org/presentationml/2006/main">
+  <p:cSld>
+    <p:bg>
+      <p:bgPr>
+        <a:gradFill rotWithShape="1">
+          <a:gsLst>
+            <a:gs pos="0">
+              <a:schemeClr val="bg2">
+                <a:tint val="90000"/>
+                <a:satMod val="92000"/>
+                <a:lumMod val="120000"/>
+              </a:schemeClr>
+            </a:gs>
+            <a:gs pos="100000">
+              <a:schemeClr val="bg2">
+                <a:shade val="98000"/>
+                <a:satMod val="120000"/>
+                <a:lumMod val="98000"/>
+              </a:schemeClr>
+            </a:gs>
+          </a:gsLst>
+          <a:path path="circle">
+            <a:fillToRect l="50000" t="50000" r="100000" b="100000"/>
+          </a:path>
+        </a:gradFill>
+        <a:effectLst/>
+      </p:bgPr>
+    </p:bg>
+    <p:spTree>
+      <p:nvGrpSpPr>
+        <p:cNvPr id="1" name=""/>
+        <p:cNvGrpSpPr/>
+        <p:nvPr/>
+      </p:nvGrpSpPr>
+      <p:grpSpPr>
+        <a:xfrm>
+          <a:off x="0" y="0"/>
+          <a:ext cx="0" cy="0"/>
+          <a:chOff x="0" y="0"/>
+          <a:chExt cx="0" cy="0"/>
+        </a:xfrm>
+      </p:grpSpPr>
+      <p:sp>
+        <p:nvSpPr>
+          <p:cNvPr id="11" name="Rectangle 10">
+            <a:extLst>
+              <a:ext uri="{FF2B5EF4-FFF2-40B4-BE49-F238E27FC236}">
+                <a16:creationId xmlns:a16="http://schemas.microsoft.com/office/drawing/2014/main" id="{01520B72-94C4-4ABB-AC64-A3382705BE06}"/>
+              </a:ext>
+              <a:ext uri="{C183D7F6-B498-43B3-948B-1728B52AA6E4}">
+                <adec:decorative xmlns:adec="http://schemas.microsoft.com/office/drawing/2017/decorative" val="1"/>
+              </a:ext>
+            </a:extLst>
+          </p:cNvPr>
+          <p:cNvSpPr>
+            <a:spLocks noGrp="1" noRot="1" noChangeAspect="1" noMove="1" noResize="1" noEditPoints="1" noAdjustHandles="1" noChangeArrowheads="1" noChangeShapeType="1" noTextEdit="1"/>
+          </p:cNvSpPr>
+          <p:nvPr>
+            <p:extLst>
+              <p:ext uri="{386F3935-93C4-4BCD-93E2-E3B085C9AB24}">
+                <p16:designElem xmlns:p16="http://schemas.microsoft.com/office/powerpoint/2015/main" val="1"/>
+              </p:ext>
+            </p:extLst>
+          </p:nvPr>
+        </p:nvSpPr>
+        <p:spPr>
+          <a:xfrm>
+            <a:off x="0" y="0"/>
+            <a:ext cx="12192000" cy="6858000"/>
+          </a:xfrm>
+          <a:prstGeom prst="rect">
+            <a:avLst/>
+          </a:prstGeom>
+          <a:solidFill>
+            <a:srgbClr val="614844"/>
+          </a:solidFill>
+          <a:ln>
+            <a:noFill/>
+          </a:ln>
+        </p:spPr>
+        <p:style>
+          <a:lnRef idx="2">
+            <a:schemeClr val="accent1">
+              <a:shade val="50000"/>
+            </a:schemeClr>
+          </a:lnRef>
+          <a:fillRef idx="1">
+            <a:schemeClr val="accent1"/>
+          </a:fillRef>
+          <a:effectRef idx="0">
+            <a:schemeClr val="accent1"/>
+          </a:effectRef>
+          <a:fontRef idx="minor">
+            <a:schemeClr val="lt1"/>
+          </a:fontRef>
+        </p:style>
+        <p:txBody>
+          <a:bodyPr rtlCol="0" anchor="ctr"/>
+          <a:lstStyle/>
+          <a:p>
+            <a:pPr algn="ctr"/>
+            <a:endParaRPr lang="en-US"/>
+          </a:p>
+        </p:txBody>
+      </p:sp>
+      <p:sp>
+        <p:nvSpPr>
+          <p:cNvPr id="13" name="Rectangle 12">
+            <a:extLst>
+              <a:ext uri="{FF2B5EF4-FFF2-40B4-BE49-F238E27FC236}">
+                <a16:creationId xmlns:a16="http://schemas.microsoft.com/office/drawing/2014/main" id="{9A64CBFD-D6E8-4E6A-8F66-1948BED33157}"/>
+              </a:ext>
+              <a:ext uri="{C183D7F6-B498-43B3-948B-1728B52AA6E4}">
+                <adec:decorative xmlns:adec="http://schemas.microsoft.com/office/drawing/2017/decorative" val="1"/>
+              </a:ext>
+            </a:extLst>
+          </p:cNvPr>
+          <p:cNvSpPr>
+            <a:spLocks noGrp="1" noRot="1" noChangeAspect="1" noMove="1" noResize="1" noEditPoints="1" noAdjustHandles="1" noChangeArrowheads="1" noChangeShapeType="1" noTextEdit="1"/>
+          </p:cNvSpPr>
+          <p:nvPr>
+            <p:extLst>
+              <p:ext uri="{386F3935-93C4-4BCD-93E2-E3B085C9AB24}">
+                <p16:designElem xmlns:p16="http://schemas.microsoft.com/office/powerpoint/2015/main" val="1"/>
+              </p:ext>
+            </p:extLst>
+          </p:nvPr>
+        </p:nvSpPr>
+        <p:spPr>
+          <a:xfrm>
+            <a:off x="477012" y="480060"/>
+            <a:ext cx="11237976" cy="5897880"/>
+          </a:xfrm>
+          <a:prstGeom prst="rect">
+            <a:avLst/>
+          </a:prstGeom>
+          <a:solidFill>
+            <a:srgbClr val="FFFFFF"/>
+          </a:solidFill>
+          <a:ln>
+            <a:noFill/>
+          </a:ln>
+        </p:spPr>
+        <p:style>
+          <a:lnRef idx="2">
+            <a:schemeClr val="accent1">
+              <a:shade val="50000"/>
+            </a:schemeClr>
+          </a:lnRef>
+          <a:fillRef idx="1">
+            <a:schemeClr val="accent1"/>
+          </a:fillRef>
+          <a:effectRef idx="0">
+            <a:schemeClr val="accent1"/>
+          </a:effectRef>
+          <a:fontRef idx="minor">
+            <a:schemeClr val="lt1"/>
+          </a:fontRef>
+        </p:style>
+        <p:txBody>
+          <a:bodyPr rtlCol="0" anchor="ctr"/>
+          <a:lstStyle/>
+          <a:p>
+            <a:pPr algn="ctr"/>
+            <a:endParaRPr lang="en-US"/>
+          </a:p>
+        </p:txBody>
+      </p:sp>
+      <p:pic>
+        <p:nvPicPr>
+          <p:cNvPr id="6" name="Picture 5">
+            <a:extLst>
+              <a:ext uri="{FF2B5EF4-FFF2-40B4-BE49-F238E27FC236}">
+                <a16:creationId xmlns:a16="http://schemas.microsoft.com/office/drawing/2014/main" id="{65290785-10AF-2945-850D-4AEF800C75A9}"/>
+              </a:ext>
+            </a:extLst>
+          </p:cNvPr>
+          <p:cNvPicPr>
+            <a:picLocks noChangeAspect="1"/>
+          </p:cNvPicPr>
+          <p:nvPr/>
+        </p:nvPicPr>
+        <p:blipFill>
+          <a:blip r:embed="rId2"/>
+          <a:stretch>
+            <a:fillRect/>
+          </a:stretch>
+        </p:blipFill>
+        <p:spPr>
+          <a:xfrm>
+            <a:off x="643467" y="1302513"/>
+            <a:ext cx="10905066" cy="4252974"/>
+          </a:xfrm>
+          <a:prstGeom prst="rect">
+            <a:avLst/>
+          </a:prstGeom>
+        </p:spPr>
+      </p:pic>
+      <p:sp>
+        <p:nvSpPr>
+          <p:cNvPr id="4" name="Slide Number Placeholder 3">
+            <a:extLst>
+              <a:ext uri="{FF2B5EF4-FFF2-40B4-BE49-F238E27FC236}">
+                <a16:creationId xmlns:a16="http://schemas.microsoft.com/office/drawing/2014/main" id="{1C291678-DA36-BE4A-9794-BD0EF427C57D}"/>
+              </a:ext>
+            </a:extLst>
+          </p:cNvPr>
+          <p:cNvSpPr>
+            <a:spLocks noGrp="1"/>
+          </p:cNvSpPr>
+          <p:nvPr>
+            <p:ph type="sldNum" sz="quarter" idx="12"/>
+          </p:nvPr>
+        </p:nvSpPr>
+        <p:spPr>
+          <a:xfrm>
+            <a:off x="531812" y="6349513"/>
+            <a:ext cx="779767" cy="370396"/>
+          </a:xfrm>
+        </p:spPr>
+        <p:txBody>
+          <a:bodyPr>
+            <a:normAutofit/>
+          </a:bodyPr>
+          <a:lstStyle/>
+          <a:p>
+            <a:pPr>
+              <a:spcAft>
+                <a:spcPts val="600"/>
+              </a:spcAft>
+            </a:pPr>
+            <a:fld id="{D57F1E4F-1CFF-5643-939E-217C01CDF565}" type="slidenum">
+              <a:rPr lang="en-US" sz="900">
+                <a:solidFill>
+                  <a:schemeClr val="bg1"/>
+                </a:solidFill>
+              </a:rPr>
+              <a:pPr>
+                <a:spcAft>
+                  <a:spcPts val="600"/>
+                </a:spcAft>
+              </a:pPr>
+              <a:t>2</a:t>
+            </a:fld>
+            <a:endParaRPr lang="en-US" sz="900">
+              <a:solidFill>
+                <a:schemeClr val="bg1"/>
+              </a:solidFill>
+            </a:endParaRPr>
+          </a:p>
+        </p:txBody>
+      </p:sp>
+      <p:sp>
+        <p:nvSpPr>
+          <p:cNvPr id="3" name="Footer Placeholder 2">
+            <a:extLst>
+              <a:ext uri="{FF2B5EF4-FFF2-40B4-BE49-F238E27FC236}">
+                <a16:creationId xmlns:a16="http://schemas.microsoft.com/office/drawing/2014/main" id="{DF0BF51A-AFE7-D546-97ED-2140336830A4}"/>
+              </a:ext>
+            </a:extLst>
+          </p:cNvPr>
+          <p:cNvSpPr>
+            <a:spLocks noGrp="1"/>
+          </p:cNvSpPr>
+          <p:nvPr>
+            <p:ph type="ftr" sz="quarter" idx="11"/>
+          </p:nvPr>
+        </p:nvSpPr>
+        <p:spPr>
+          <a:xfrm>
+            <a:off x="2589212" y="6354883"/>
+            <a:ext cx="7619999" cy="365125"/>
+          </a:xfrm>
+        </p:spPr>
+        <p:txBody>
+          <a:bodyPr>
+            <a:normAutofit/>
+          </a:bodyPr>
+          <a:lstStyle/>
+          <a:p>
+            <a:pPr>
+              <a:spcAft>
+                <a:spcPts val="600"/>
+              </a:spcAft>
+            </a:pPr>
+            <a:r>
+              <a:rPr lang="en-US">
+                <a:solidFill>
+                  <a:schemeClr val="bg1"/>
+                </a:solidFill>
+              </a:rPr>
+              <a:t>Salvatore Sorrentino</a:t>
+            </a:r>
+          </a:p>
+        </p:txBody>
+      </p:sp>
+      <p:sp>
+        <p:nvSpPr>
+          <p:cNvPr id="2" name="Date Placeholder 1">
+            <a:extLst>
+              <a:ext uri="{FF2B5EF4-FFF2-40B4-BE49-F238E27FC236}">
+                <a16:creationId xmlns:a16="http://schemas.microsoft.com/office/drawing/2014/main" id="{EDC59B1B-200F-A04A-91C1-DF3EF6482281}"/>
+              </a:ext>
+            </a:extLst>
+          </p:cNvPr>
+          <p:cNvSpPr>
+            <a:spLocks noGrp="1"/>
+          </p:cNvSpPr>
+          <p:nvPr>
+            <p:ph type="dt" sz="half" idx="10"/>
+          </p:nvPr>
+        </p:nvSpPr>
+        <p:spPr>
+          <a:xfrm>
+            <a:off x="10361612" y="6349512"/>
+            <a:ext cx="1146283" cy="370396"/>
+          </a:xfrm>
+        </p:spPr>
+        <p:txBody>
+          <a:bodyPr>
+            <a:normAutofit/>
+          </a:bodyPr>
+          <a:lstStyle/>
+          <a:p>
+            <a:pPr>
+              <a:spcAft>
+                <a:spcPts val="600"/>
+              </a:spcAft>
+            </a:pPr>
+            <a:fld id="{386BF708-07C7-734A-9BDD-03043652E280}" type="datetime1">
+              <a:rPr lang="it-IT">
+                <a:solidFill>
+                  <a:schemeClr val="bg1"/>
+                </a:solidFill>
+              </a:rPr>
+              <a:pPr>
+                <a:spcAft>
+                  <a:spcPts val="600"/>
+                </a:spcAft>
+              </a:pPr>
+              <a:t>10/06/18</a:t>
+            </a:fld>
+            <a:endParaRPr lang="en-US">
+              <a:solidFill>
+                <a:schemeClr val="bg1"/>
+              </a:solidFill>
+            </a:endParaRPr>
+          </a:p>
+        </p:txBody>
+      </p:sp>
+    </p:spTree>
+    <p:extLst>
+      <p:ext uri="{BB962C8B-B14F-4D97-AF65-F5344CB8AC3E}">
+        <p14:creationId xmlns:p14="http://schemas.microsoft.com/office/powerpoint/2010/main" val="521864208"/>
+      </p:ext>
+    </p:extLst>
+  </p:cSld>
+  <p:clrMapOvr>
+    <a:masterClrMapping/>
+  </p:clrMapOvr>
+</p:sld>
+</file>
+
+<file path=ppt/slides/slide16.xml><?xml version="1.0" encoding="utf-8"?>
+<p:sld xmlns:a="http://schemas.openxmlformats.org/drawingml/2006/main" xmlns:r="http://schemas.openxmlformats.org/officeDocument/2006/relationships" xmlns:p="http://schemas.openxmlformats.org/presentationml/2006/main">
+  <p:cSld>
+    <p:bg>
+      <p:bgPr>
+        <a:gradFill rotWithShape="1">
+          <a:gsLst>
+            <a:gs pos="0">
+              <a:schemeClr val="bg2">
+                <a:tint val="90000"/>
+                <a:satMod val="92000"/>
+                <a:lumMod val="120000"/>
+              </a:schemeClr>
+            </a:gs>
+            <a:gs pos="100000">
+              <a:schemeClr val="bg2">
+                <a:shade val="98000"/>
+                <a:satMod val="120000"/>
+                <a:lumMod val="98000"/>
+              </a:schemeClr>
+            </a:gs>
+          </a:gsLst>
+          <a:path path="circle">
+            <a:fillToRect l="50000" t="50000" r="100000" b="100000"/>
+          </a:path>
+        </a:gradFill>
+        <a:effectLst/>
+      </p:bgPr>
+    </p:bg>
+    <p:spTree>
+      <p:nvGrpSpPr>
+        <p:cNvPr id="1" name=""/>
+        <p:cNvGrpSpPr/>
+        <p:nvPr/>
+      </p:nvGrpSpPr>
+      <p:grpSpPr>
+        <a:xfrm>
+          <a:off x="0" y="0"/>
+          <a:ext cx="0" cy="0"/>
+          <a:chOff x="0" y="0"/>
+          <a:chExt cx="0" cy="0"/>
+        </a:xfrm>
+      </p:grpSpPr>
+      <p:sp>
+        <p:nvSpPr>
+          <p:cNvPr id="11" name="Rectangle 10">
+            <a:extLst>
+              <a:ext uri="{FF2B5EF4-FFF2-40B4-BE49-F238E27FC236}">
+                <a16:creationId xmlns:a16="http://schemas.microsoft.com/office/drawing/2014/main" id="{01520B72-94C4-4ABB-AC64-A3382705BE06}"/>
+              </a:ext>
+              <a:ext uri="{C183D7F6-B498-43B3-948B-1728B52AA6E4}">
+                <adec:decorative xmlns:adec="http://schemas.microsoft.com/office/drawing/2017/decorative" val="1"/>
+              </a:ext>
+            </a:extLst>
+          </p:cNvPr>
+          <p:cNvSpPr>
+            <a:spLocks noGrp="1" noRot="1" noChangeAspect="1" noMove="1" noResize="1" noEditPoints="1" noAdjustHandles="1" noChangeArrowheads="1" noChangeShapeType="1" noTextEdit="1"/>
+          </p:cNvSpPr>
+          <p:nvPr>
+            <p:extLst>
+              <p:ext uri="{386F3935-93C4-4BCD-93E2-E3B085C9AB24}">
+                <p16:designElem xmlns:p16="http://schemas.microsoft.com/office/powerpoint/2015/main" val="1"/>
+              </p:ext>
+            </p:extLst>
+          </p:nvPr>
+        </p:nvSpPr>
+        <p:spPr>
+          <a:xfrm>
+            <a:off x="0" y="0"/>
+            <a:ext cx="12192000" cy="6858000"/>
+          </a:xfrm>
+          <a:prstGeom prst="rect">
+            <a:avLst/>
+          </a:prstGeom>
+          <a:solidFill>
+            <a:srgbClr val="98835E"/>
+          </a:solidFill>
+          <a:ln>
+            <a:noFill/>
+          </a:ln>
+        </p:spPr>
+        <p:style>
+          <a:lnRef idx="2">
+            <a:schemeClr val="accent1">
+              <a:shade val="50000"/>
+            </a:schemeClr>
+          </a:lnRef>
+          <a:fillRef idx="1">
+            <a:schemeClr val="accent1"/>
+          </a:fillRef>
+          <a:effectRef idx="0">
+            <a:schemeClr val="accent1"/>
+          </a:effectRef>
+          <a:fontRef idx="minor">
+            <a:schemeClr val="lt1"/>
+          </a:fontRef>
+        </p:style>
+        <p:txBody>
+          <a:bodyPr rtlCol="0" anchor="ctr"/>
+          <a:lstStyle/>
+          <a:p>
+            <a:pPr algn="ctr"/>
+            <a:endParaRPr lang="en-US"/>
+          </a:p>
+        </p:txBody>
+      </p:sp>
+      <p:sp>
+        <p:nvSpPr>
+          <p:cNvPr id="13" name="Rectangle 12">
+            <a:extLst>
+              <a:ext uri="{FF2B5EF4-FFF2-40B4-BE49-F238E27FC236}">
+                <a16:creationId xmlns:a16="http://schemas.microsoft.com/office/drawing/2014/main" id="{9A64CBFD-D6E8-4E6A-8F66-1948BED33157}"/>
+              </a:ext>
+              <a:ext uri="{C183D7F6-B498-43B3-948B-1728B52AA6E4}">
+                <adec:decorative xmlns:adec="http://schemas.microsoft.com/office/drawing/2017/decorative" val="1"/>
+              </a:ext>
+            </a:extLst>
+          </p:cNvPr>
+          <p:cNvSpPr>
+            <a:spLocks noGrp="1" noRot="1" noChangeAspect="1" noMove="1" noResize="1" noEditPoints="1" noAdjustHandles="1" noChangeArrowheads="1" noChangeShapeType="1" noTextEdit="1"/>
+          </p:cNvSpPr>
+          <p:nvPr>
+            <p:extLst>
+              <p:ext uri="{386F3935-93C4-4BCD-93E2-E3B085C9AB24}">
+                <p16:designElem xmlns:p16="http://schemas.microsoft.com/office/powerpoint/2015/main" val="1"/>
+              </p:ext>
+            </p:extLst>
+          </p:nvPr>
+        </p:nvSpPr>
+        <p:spPr>
+          <a:xfrm>
+            <a:off x="477012" y="480060"/>
+            <a:ext cx="11237976" cy="5897880"/>
+          </a:xfrm>
+          <a:prstGeom prst="rect">
+            <a:avLst/>
+          </a:prstGeom>
+          <a:solidFill>
+            <a:srgbClr val="FFFFFF"/>
+          </a:solidFill>
+          <a:ln>
+            <a:noFill/>
+          </a:ln>
+        </p:spPr>
+        <p:style>
+          <a:lnRef idx="2">
+            <a:schemeClr val="accent1">
+              <a:shade val="50000"/>
+            </a:schemeClr>
+          </a:lnRef>
+          <a:fillRef idx="1">
+            <a:schemeClr val="accent1"/>
+          </a:fillRef>
+          <a:effectRef idx="0">
+            <a:schemeClr val="accent1"/>
+          </a:effectRef>
+          <a:fontRef idx="minor">
+            <a:schemeClr val="lt1"/>
+          </a:fontRef>
+        </p:style>
+        <p:txBody>
+          <a:bodyPr rtlCol="0" anchor="ctr"/>
+          <a:lstStyle/>
+          <a:p>
+            <a:pPr algn="ctr"/>
+            <a:endParaRPr lang="en-US"/>
+          </a:p>
+        </p:txBody>
+      </p:sp>
+      <p:pic>
+        <p:nvPicPr>
+          <p:cNvPr id="6" name="Picture 5">
+            <a:extLst>
+              <a:ext uri="{FF2B5EF4-FFF2-40B4-BE49-F238E27FC236}">
+                <a16:creationId xmlns:a16="http://schemas.microsoft.com/office/drawing/2014/main" id="{05C73F15-DEB3-6141-8410-A2B595B17A7F}"/>
+              </a:ext>
+            </a:extLst>
+          </p:cNvPr>
+          <p:cNvPicPr>
+            <a:picLocks noChangeAspect="1"/>
+          </p:cNvPicPr>
+          <p:nvPr/>
+        </p:nvPicPr>
+        <p:blipFill>
+          <a:blip r:embed="rId2"/>
+          <a:stretch>
+            <a:fillRect/>
+          </a:stretch>
+        </p:blipFill>
+        <p:spPr>
+          <a:xfrm>
+            <a:off x="643467" y="811784"/>
+            <a:ext cx="10905066" cy="5234431"/>
+          </a:xfrm>
+          <a:prstGeom prst="rect">
+            <a:avLst/>
+          </a:prstGeom>
+        </p:spPr>
+      </p:pic>
+      <p:sp>
+        <p:nvSpPr>
+          <p:cNvPr id="4" name="Slide Number Placeholder 3">
+            <a:extLst>
+              <a:ext uri="{FF2B5EF4-FFF2-40B4-BE49-F238E27FC236}">
+                <a16:creationId xmlns:a16="http://schemas.microsoft.com/office/drawing/2014/main" id="{2B9774F8-4C30-1B41-8F62-C2C1DBCDEDE3}"/>
+              </a:ext>
+            </a:extLst>
+          </p:cNvPr>
+          <p:cNvSpPr>
+            <a:spLocks noGrp="1"/>
+          </p:cNvSpPr>
+          <p:nvPr>
+            <p:ph type="sldNum" sz="quarter" idx="12"/>
+          </p:nvPr>
+        </p:nvSpPr>
+        <p:spPr>
+          <a:xfrm>
+            <a:off x="531812" y="6349513"/>
+            <a:ext cx="779767" cy="370396"/>
+          </a:xfrm>
+        </p:spPr>
+        <p:txBody>
+          <a:bodyPr>
+            <a:normAutofit/>
+          </a:bodyPr>
+          <a:lstStyle/>
+          <a:p>
+            <a:pPr>
+              <a:spcAft>
+                <a:spcPts val="600"/>
+              </a:spcAft>
+            </a:pPr>
+            <a:fld id="{D57F1E4F-1CFF-5643-939E-217C01CDF565}" type="slidenum">
+              <a:rPr lang="en-US" sz="900">
+                <a:solidFill>
+                  <a:schemeClr val="bg1"/>
+                </a:solidFill>
+              </a:rPr>
+              <a:pPr>
+                <a:spcAft>
+                  <a:spcPts val="600"/>
+                </a:spcAft>
+              </a:pPr>
+              <a:t>2</a:t>
+            </a:fld>
+            <a:endParaRPr lang="en-US" sz="900">
+              <a:solidFill>
+                <a:schemeClr val="bg1"/>
+              </a:solidFill>
+            </a:endParaRPr>
+          </a:p>
+        </p:txBody>
+      </p:sp>
+      <p:sp>
+        <p:nvSpPr>
+          <p:cNvPr id="3" name="Footer Placeholder 2">
+            <a:extLst>
+              <a:ext uri="{FF2B5EF4-FFF2-40B4-BE49-F238E27FC236}">
+                <a16:creationId xmlns:a16="http://schemas.microsoft.com/office/drawing/2014/main" id="{6BFC8E72-BFCB-2541-86ED-F1FC34AA34CB}"/>
+              </a:ext>
+            </a:extLst>
+          </p:cNvPr>
+          <p:cNvSpPr>
+            <a:spLocks noGrp="1"/>
+          </p:cNvSpPr>
+          <p:nvPr>
+            <p:ph type="ftr" sz="quarter" idx="11"/>
+          </p:nvPr>
+        </p:nvSpPr>
+        <p:spPr>
+          <a:xfrm>
+            <a:off x="2589212" y="6354883"/>
+            <a:ext cx="7619999" cy="365125"/>
+          </a:xfrm>
+        </p:spPr>
+        <p:txBody>
+          <a:bodyPr>
+            <a:normAutofit/>
+          </a:bodyPr>
+          <a:lstStyle/>
+          <a:p>
+            <a:pPr>
+              <a:spcAft>
+                <a:spcPts val="600"/>
+              </a:spcAft>
+            </a:pPr>
+            <a:r>
+              <a:rPr lang="en-US">
+                <a:solidFill>
+                  <a:schemeClr val="bg1"/>
+                </a:solidFill>
+              </a:rPr>
+              <a:t>Salvatore Sorrentino</a:t>
+            </a:r>
+          </a:p>
+        </p:txBody>
+      </p:sp>
+      <p:sp>
+        <p:nvSpPr>
+          <p:cNvPr id="2" name="Date Placeholder 1">
+            <a:extLst>
+              <a:ext uri="{FF2B5EF4-FFF2-40B4-BE49-F238E27FC236}">
+                <a16:creationId xmlns:a16="http://schemas.microsoft.com/office/drawing/2014/main" id="{4B13D38E-0236-C34D-BB82-B8C038EBAA32}"/>
+              </a:ext>
+            </a:extLst>
+          </p:cNvPr>
+          <p:cNvSpPr>
+            <a:spLocks noGrp="1"/>
+          </p:cNvSpPr>
+          <p:nvPr>
+            <p:ph type="dt" sz="half" idx="10"/>
+          </p:nvPr>
+        </p:nvSpPr>
+        <p:spPr>
+          <a:xfrm>
+            <a:off x="10361612" y="6349512"/>
+            <a:ext cx="1146283" cy="370396"/>
+          </a:xfrm>
+        </p:spPr>
+        <p:txBody>
+          <a:bodyPr>
+            <a:normAutofit/>
+          </a:bodyPr>
+          <a:lstStyle/>
+          <a:p>
+            <a:pPr>
+              <a:spcAft>
+                <a:spcPts val="600"/>
+              </a:spcAft>
+            </a:pPr>
+            <a:fld id="{386BF708-07C7-734A-9BDD-03043652E280}" type="datetime1">
+              <a:rPr lang="it-IT">
+                <a:solidFill>
+                  <a:schemeClr val="bg1"/>
+                </a:solidFill>
+              </a:rPr>
+              <a:pPr>
+                <a:spcAft>
+                  <a:spcPts val="600"/>
+                </a:spcAft>
+              </a:pPr>
+              <a:t>10/06/18</a:t>
+            </a:fld>
+            <a:endParaRPr lang="en-US">
+              <a:solidFill>
+                <a:schemeClr val="bg1"/>
+              </a:solidFill>
+            </a:endParaRPr>
+          </a:p>
+        </p:txBody>
+      </p:sp>
+    </p:spTree>
+    <p:extLst>
+      <p:ext uri="{BB962C8B-B14F-4D97-AF65-F5344CB8AC3E}">
+        <p14:creationId xmlns:p14="http://schemas.microsoft.com/office/powerpoint/2010/main" val="1949392708"/>
+      </p:ext>
+    </p:extLst>
+  </p:cSld>
+  <p:clrMapOvr>
+    <a:masterClrMapping/>
+  </p:clrMapOvr>
+</p:sld>
+</file>
+
+<file path=ppt/slides/slide17.xml><?xml version="1.0" encoding="utf-8"?>
+<p:sld xmlns:a="http://schemas.openxmlformats.org/drawingml/2006/main" xmlns:r="http://schemas.openxmlformats.org/officeDocument/2006/relationships" xmlns:p="http://schemas.openxmlformats.org/presentationml/2006/main">
+  <p:cSld>
+    <p:spTree>
+      <p:nvGrpSpPr>
+        <p:cNvPr id="1" name=""/>
+        <p:cNvGrpSpPr/>
+        <p:nvPr/>
+      </p:nvGrpSpPr>
+      <p:grpSpPr>
+        <a:xfrm>
+          <a:off x="0" y="0"/>
+          <a:ext cx="0" cy="0"/>
+          <a:chOff x="0" y="0"/>
+          <a:chExt cx="0" cy="0"/>
+        </a:xfrm>
+      </p:grpSpPr>
+      <p:sp>
+        <p:nvSpPr>
+          <p:cNvPr id="2" name="Date Placeholder 1">
+            <a:extLst>
+              <a:ext uri="{FF2B5EF4-FFF2-40B4-BE49-F238E27FC236}">
+                <a16:creationId xmlns:a16="http://schemas.microsoft.com/office/drawing/2014/main" id="{7A8B5A12-C44C-DB45-B2A0-B79D00EDD324}"/>
+              </a:ext>
+            </a:extLst>
+          </p:cNvPr>
+          <p:cNvSpPr>
+            <a:spLocks noGrp="1"/>
+          </p:cNvSpPr>
+          <p:nvPr>
+            <p:ph type="dt" sz="half" idx="10"/>
+          </p:nvPr>
+        </p:nvSpPr>
+        <p:spPr/>
+        <p:txBody>
+          <a:bodyPr/>
+          <a:lstStyle/>
+          <a:p>
+            <a:fld id="{386BF708-07C7-734A-9BDD-03043652E280}" type="datetime1">
+              <a:rPr lang="it-IT" smtClean="0"/>
+              <a:t>10/06/18</a:t>
+            </a:fld>
+            <a:endParaRPr lang="en-US" dirty="0"/>
+          </a:p>
+        </p:txBody>
+      </p:sp>
+      <p:sp>
+        <p:nvSpPr>
+          <p:cNvPr id="3" name="Footer Placeholder 2">
+            <a:extLst>
+              <a:ext uri="{FF2B5EF4-FFF2-40B4-BE49-F238E27FC236}">
+                <a16:creationId xmlns:a16="http://schemas.microsoft.com/office/drawing/2014/main" id="{4C477D87-BF75-4342-B7FD-6C7A37CD8907}"/>
+              </a:ext>
+            </a:extLst>
+          </p:cNvPr>
+          <p:cNvSpPr>
+            <a:spLocks noGrp="1"/>
+          </p:cNvSpPr>
+          <p:nvPr>
+            <p:ph type="ftr" sz="quarter" idx="11"/>
+          </p:nvPr>
+        </p:nvSpPr>
+        <p:spPr/>
+        <p:txBody>
+          <a:bodyPr/>
+          <a:lstStyle/>
+          <a:p>
+            <a:r>
+              <a:rPr lang="en-US"/>
+              <a:t>Salvatore Sorrentino</a:t>
+            </a:r>
+            <a:endParaRPr lang="en-US" dirty="0"/>
+          </a:p>
+        </p:txBody>
+      </p:sp>
+      <p:sp>
+        <p:nvSpPr>
+          <p:cNvPr id="4" name="Slide Number Placeholder 3">
+            <a:extLst>
+              <a:ext uri="{FF2B5EF4-FFF2-40B4-BE49-F238E27FC236}">
+                <a16:creationId xmlns:a16="http://schemas.microsoft.com/office/drawing/2014/main" id="{F2EF2A48-5BE9-1A45-B44D-64CE51FC2C1C}"/>
+              </a:ext>
+            </a:extLst>
+          </p:cNvPr>
+          <p:cNvSpPr>
+            <a:spLocks noGrp="1"/>
+          </p:cNvSpPr>
+          <p:nvPr>
+            <p:ph type="sldNum" sz="quarter" idx="12"/>
+          </p:nvPr>
+        </p:nvSpPr>
+        <p:spPr/>
+        <p:txBody>
+          <a:bodyPr/>
+          <a:lstStyle/>
+          <a:p>
+            <a:fld id="{D57F1E4F-1CFF-5643-939E-217C01CDF565}" type="slidenum">
+              <a:rPr lang="en-US" smtClean="0"/>
+              <a:pPr/>
+              <a:t>17</a:t>
+            </a:fld>
+            <a:endParaRPr lang="en-US" dirty="0"/>
+          </a:p>
+        </p:txBody>
+      </p:sp>
+    </p:spTree>
+    <p:extLst>
+      <p:ext uri="{BB962C8B-B14F-4D97-AF65-F5344CB8AC3E}">
+        <p14:creationId xmlns:p14="http://schemas.microsoft.com/office/powerpoint/2010/main" val="3804760047"/>
+      </p:ext>
+    </p:extLst>
+  </p:cSld>
+  <p:clrMapOvr>
+    <a:masterClrMapping/>
+  </p:clrMapOvr>
+</p:sld>
+</file>
+
 <file path=ppt/slides/slide2.xml><?xml version="1.0" encoding="utf-8"?>
 <p:sld xmlns:a="http://schemas.openxmlformats.org/drawingml/2006/main" xmlns:r="http://schemas.openxmlformats.org/officeDocument/2006/relationships" xmlns:p="http://schemas.openxmlformats.org/presentationml/2006/main">
   <p:cSld>
@@ -12763,10 +15112,80 @@
           <a:bodyPr/>
           <a:lstStyle/>
           <a:p>
-            <a:pPr marL="0" indent="0">
-              <a:buNone/>
-            </a:pPr>
-            <a:endParaRPr lang="it-IT"/>
+            <a:endParaRPr lang="it-IT" dirty="0"/>
+          </a:p>
+          <a:p>
+            <a:r>
+              <a:rPr lang="it-IT" dirty="0"/>
+              <a:t>ASP.NET </a:t>
+            </a:r>
+          </a:p>
+          <a:p>
+            <a:pPr lvl="1"/>
+            <a:r>
+              <a:rPr lang="it-IT" dirty="0">
+                <a:hlinkClick r:id="rId2"/>
+              </a:rPr>
+              <a:t>https://docs.microsoft.com/en-us/azure/app-service/app-service-web-get-started-dotnet-framework</a:t>
+            </a:r>
+            <a:endParaRPr lang="it-IT" dirty="0"/>
+          </a:p>
+          <a:p>
+            <a:r>
+              <a:rPr lang="it-IT" dirty="0"/>
+              <a:t>ASP.NET Core</a:t>
+            </a:r>
+          </a:p>
+          <a:p>
+            <a:pPr lvl="1"/>
+            <a:r>
+              <a:rPr lang="it-IT" dirty="0">
+                <a:hlinkClick r:id="rId3"/>
+              </a:rPr>
+              <a:t>https://docs.microsoft.com/en-us/azure/app-service/app-service-web-get-started-dotnet</a:t>
+            </a:r>
+            <a:endParaRPr lang="it-IT" dirty="0"/>
+          </a:p>
+          <a:p>
+            <a:r>
+              <a:rPr lang="it-IT" dirty="0" err="1"/>
+              <a:t>Node.js</a:t>
+            </a:r>
+            <a:r>
+              <a:rPr lang="it-IT" dirty="0"/>
+              <a:t> </a:t>
+            </a:r>
+            <a:r>
+              <a:rPr lang="it-IT" dirty="0" err="1"/>
+              <a:t>app</a:t>
+            </a:r>
+            <a:r>
+              <a:rPr lang="it-IT" dirty="0"/>
+              <a:t> (facoltativo)</a:t>
+            </a:r>
+          </a:p>
+          <a:p>
+            <a:r>
+              <a:rPr lang="it-IT" dirty="0" err="1"/>
+              <a:t>Continous</a:t>
+            </a:r>
+            <a:r>
+              <a:rPr lang="it-IT" dirty="0"/>
+              <a:t> </a:t>
+            </a:r>
+            <a:r>
+              <a:rPr lang="it-IT" dirty="0" err="1"/>
+              <a:t>deployment</a:t>
+            </a:r>
+            <a:r>
+              <a:rPr lang="it-IT" dirty="0"/>
+              <a:t> con </a:t>
+            </a:r>
+            <a:r>
+              <a:rPr lang="it-IT" dirty="0" err="1"/>
+              <a:t>Github</a:t>
+            </a:r>
+            <a:endParaRPr lang="it-IT" dirty="0"/>
           </a:p>
         </p:txBody>
       </p:sp>

--- a/slides/02 PAAS.pptx
+++ b/slides/02 PAAS.pptx
@@ -5,7 +5,7 @@
     <p:sldMasterId id="2147483648" r:id="rId1"/>
   </p:sldMasterIdLst>
   <p:notesMasterIdLst>
-    <p:notesMasterId r:id="rId19"/>
+    <p:notesMasterId r:id="rId18"/>
   </p:notesMasterIdLst>
   <p:sldIdLst>
     <p:sldId id="256" r:id="rId2"/>
@@ -24,7 +24,6 @@
     <p:sldId id="368" r:id="rId15"/>
     <p:sldId id="370" r:id="rId16"/>
     <p:sldId id="371" r:id="rId17"/>
-    <p:sldId id="372" r:id="rId18"/>
   </p:sldIdLst>
   <p:sldSz cx="12192000" cy="6858000"/>
   <p:notesSz cx="6858000" cy="9144000"/>
@@ -144,7 +143,6 @@
             <p14:sldId id="368"/>
             <p14:sldId id="370"/>
             <p14:sldId id="371"/>
-            <p14:sldId id="372"/>
           </p14:sldIdLst>
         </p14:section>
       </p14:sectionLst>
@@ -238,7 +236,7 @@
           <a:p>
             <a:fld id="{45C4B567-25A3-8D4C-93E0-3FCE46A45992}" type="datetimeFigureOut">
               <a:rPr lang="it-IT" smtClean="0"/>
-              <a:t>10/06/18</a:t>
+              <a:t>12/06/18</a:t>
             </a:fld>
             <a:endParaRPr lang="it-IT"/>
           </a:p>
@@ -694,7 +692,7 @@
           <a:p>
             <a:fld id="{2601CE01-80F6-C248-A590-70F339FA21B3}" type="datetime1">
               <a:rPr lang="it-IT" smtClean="0"/>
-              <a:t>10/06/18</a:t>
+              <a:t>12/06/18</a:t>
             </a:fld>
             <a:endParaRPr lang="en-US" dirty="0"/>
           </a:p>
@@ -1032,7 +1030,7 @@
           <a:p>
             <a:fld id="{7F6BDEAA-F00E-184D-BCB9-26072218BD68}" type="datetime1">
               <a:rPr lang="it-IT" smtClean="0"/>
-              <a:t>10/06/18</a:t>
+              <a:t>12/06/18</a:t>
             </a:fld>
             <a:endParaRPr lang="en-US" dirty="0"/>
           </a:p>
@@ -1433,7 +1431,7 @@
           <a:p>
             <a:fld id="{7FFBC156-525D-2D4F-AA53-90FCC4A4A652}" type="datetime1">
               <a:rPr lang="it-IT" smtClean="0"/>
-              <a:t>10/06/18</a:t>
+              <a:t>12/06/18</a:t>
             </a:fld>
             <a:endParaRPr lang="en-US" dirty="0"/>
           </a:p>
@@ -1769,7 +1767,7 @@
           <a:p>
             <a:fld id="{B997B736-D586-3944-939D-3B0EBD27B803}" type="datetime1">
               <a:rPr lang="it-IT" smtClean="0"/>
-              <a:t>10/06/18</a:t>
+              <a:t>12/06/18</a:t>
             </a:fld>
             <a:endParaRPr lang="en-US" dirty="0"/>
           </a:p>
@@ -2089,7 +2087,7 @@
           <a:p>
             <a:fld id="{4FFE48FC-0E98-1540-81BD-9CFF37D6D71F}" type="datetime1">
               <a:rPr lang="it-IT" smtClean="0"/>
-              <a:t>10/06/18</a:t>
+              <a:t>12/06/18</a:t>
             </a:fld>
             <a:endParaRPr lang="en-US" dirty="0"/>
           </a:p>
@@ -2485,7 +2483,7 @@
           <a:p>
             <a:fld id="{31311ED6-D795-094D-93BF-B4CDE2797B63}" type="datetime1">
               <a:rPr lang="it-IT" smtClean="0"/>
-              <a:t>10/06/18</a:t>
+              <a:t>12/06/18</a:t>
             </a:fld>
             <a:endParaRPr lang="en-US" dirty="0"/>
           </a:p>
@@ -2742,7 +2740,7 @@
           <a:p>
             <a:fld id="{AD4C863A-9379-634C-955A-9E15722F80D0}" type="datetime1">
               <a:rPr lang="it-IT" smtClean="0"/>
-              <a:t>10/06/18</a:t>
+              <a:t>12/06/18</a:t>
             </a:fld>
             <a:endParaRPr lang="en-US" dirty="0"/>
           </a:p>
@@ -3004,7 +3002,7 @@
           <a:p>
             <a:fld id="{619DAAE9-83F1-A44D-956B-D8D004F30B50}" type="datetime1">
               <a:rPr lang="it-IT" smtClean="0"/>
-              <a:t>10/06/18</a:t>
+              <a:t>12/06/18</a:t>
             </a:fld>
             <a:endParaRPr lang="en-US" dirty="0"/>
           </a:p>
@@ -3266,7 +3264,7 @@
           <a:p>
             <a:fld id="{12FADF34-F6ED-764D-AB9C-0CA3DD6714F2}" type="datetime1">
               <a:rPr lang="it-IT" smtClean="0"/>
-              <a:t>10/06/18</a:t>
+              <a:t>12/06/18</a:t>
             </a:fld>
             <a:endParaRPr lang="en-US" dirty="0"/>
           </a:p>
@@ -3595,7 +3593,7 @@
           <a:p>
             <a:fld id="{03C2FBBF-9147-1048-8F1B-43359FBF7704}" type="datetime1">
               <a:rPr lang="it-IT" smtClean="0"/>
-              <a:t>10/06/18</a:t>
+              <a:t>12/06/18</a:t>
             </a:fld>
             <a:endParaRPr lang="en-US" dirty="0"/>
           </a:p>
@@ -3918,7 +3916,7 @@
           <a:p>
             <a:fld id="{FDBC9E8F-B7A9-E647-B489-D812A267E210}" type="datetime1">
               <a:rPr lang="it-IT" smtClean="0"/>
-              <a:t>10/06/18</a:t>
+              <a:t>12/06/18</a:t>
             </a:fld>
             <a:endParaRPr lang="en-US" dirty="0"/>
           </a:p>
@@ -4375,7 +4373,7 @@
           <a:p>
             <a:fld id="{692AA628-9264-3B49-AFF1-638AE9B998FD}" type="datetime1">
               <a:rPr lang="it-IT" smtClean="0"/>
-              <a:t>10/06/18</a:t>
+              <a:t>12/06/18</a:t>
             </a:fld>
             <a:endParaRPr lang="en-US" dirty="0"/>
           </a:p>
@@ -4580,7 +4578,7 @@
           <a:p>
             <a:fld id="{E390B7B3-437D-BC41-A147-46816859E440}" type="datetime1">
               <a:rPr lang="it-IT" smtClean="0"/>
-              <a:t>10/06/18</a:t>
+              <a:t>12/06/18</a:t>
             </a:fld>
             <a:endParaRPr lang="en-US" dirty="0"/>
           </a:p>
@@ -4757,7 +4755,7 @@
           <a:p>
             <a:fld id="{386BF708-07C7-734A-9BDD-03043652E280}" type="datetime1">
               <a:rPr lang="it-IT" smtClean="0"/>
-              <a:t>10/06/18</a:t>
+              <a:t>12/06/18</a:t>
             </a:fld>
             <a:endParaRPr lang="en-US" dirty="0"/>
           </a:p>
@@ -5090,7 +5088,7 @@
           <a:p>
             <a:fld id="{00E53CFC-F418-3646-8F2F-0C2E64C17FCE}" type="datetime1">
               <a:rPr lang="it-IT" smtClean="0"/>
-              <a:t>10/06/18</a:t>
+              <a:t>12/06/18</a:t>
             </a:fld>
             <a:endParaRPr lang="en-US" dirty="0"/>
           </a:p>
@@ -5435,7 +5433,7 @@
           <a:p>
             <a:fld id="{26D39D8D-4923-CA4C-A593-5758899EA4CE}" type="datetime1">
               <a:rPr lang="it-IT" smtClean="0"/>
-              <a:t>10/06/18</a:t>
+              <a:t>12/06/18</a:t>
             </a:fld>
             <a:endParaRPr lang="en-US" dirty="0"/>
           </a:p>
@@ -7552,7 +7550,7 @@
           <a:p>
             <a:fld id="{62969995-3100-9D4F-B93A-1303FDA3DE7D}" type="datetime1">
               <a:rPr lang="it-IT" smtClean="0"/>
-              <a:t>10/06/18</a:t>
+              <a:t>12/06/18</a:t>
             </a:fld>
             <a:endParaRPr lang="en-US" dirty="0"/>
           </a:p>
@@ -8376,7 +8374,7 @@
           <a:p>
             <a:fld id="{12FADF34-F6ED-764D-AB9C-0CA3DD6714F2}" type="datetime1">
               <a:rPr lang="it-IT" smtClean="0"/>
-              <a:t>10/06/18</a:t>
+              <a:t>12/06/18</a:t>
             </a:fld>
             <a:endParaRPr lang="en-US" dirty="0"/>
           </a:p>
@@ -8638,7 +8636,7 @@
           <a:p>
             <a:fld id="{12FADF34-F6ED-764D-AB9C-0CA3DD6714F2}" type="datetime1">
               <a:rPr lang="it-IT" smtClean="0"/>
-              <a:t>10/06/18</a:t>
+              <a:t>12/06/18</a:t>
             </a:fld>
             <a:endParaRPr lang="en-US" dirty="0"/>
           </a:p>
@@ -8826,7 +8824,7 @@
           <a:p>
             <a:fld id="{12FADF34-F6ED-764D-AB9C-0CA3DD6714F2}" type="datetime1">
               <a:rPr lang="it-IT" smtClean="0"/>
-              <a:t>10/06/18</a:t>
+              <a:t>12/06/18</a:t>
             </a:fld>
             <a:endParaRPr lang="en-US" dirty="0"/>
           </a:p>
@@ -9150,7 +9148,7 @@
                   <a:spcPts val="600"/>
                 </a:spcAft>
               </a:pPr>
-              <a:t>2</a:t>
+              <a:t>13</a:t>
             </a:fld>
             <a:endParaRPr lang="en-US" sz="900">
               <a:solidFill>
@@ -9248,7 +9246,7 @@
                   <a:spcPts val="600"/>
                 </a:spcAft>
               </a:pPr>
-              <a:t>10/06/18</a:t>
+              <a:t>12/06/18</a:t>
             </a:fld>
             <a:endParaRPr lang="en-US">
               <a:solidFill>
@@ -9514,7 +9512,7 @@
                   <a:spcPts val="600"/>
                 </a:spcAft>
               </a:pPr>
-              <a:t>2</a:t>
+              <a:t>14</a:t>
             </a:fld>
             <a:endParaRPr lang="en-US" sz="900">
               <a:solidFill>
@@ -9612,7 +9610,7 @@
                   <a:spcPts val="600"/>
                 </a:spcAft>
               </a:pPr>
-              <a:t>10/06/18</a:t>
+              <a:t>12/06/18</a:t>
             </a:fld>
             <a:endParaRPr lang="en-US">
               <a:solidFill>
@@ -9878,7 +9876,7 @@
                   <a:spcPts val="600"/>
                 </a:spcAft>
               </a:pPr>
-              <a:t>2</a:t>
+              <a:t>15</a:t>
             </a:fld>
             <a:endParaRPr lang="en-US" sz="900">
               <a:solidFill>
@@ -9976,7 +9974,7 @@
                   <a:spcPts val="600"/>
                 </a:spcAft>
               </a:pPr>
-              <a:t>10/06/18</a:t>
+              <a:t>12/06/18</a:t>
             </a:fld>
             <a:endParaRPr lang="en-US">
               <a:solidFill>
@@ -10242,7 +10240,7 @@
                   <a:spcPts val="600"/>
                 </a:spcAft>
               </a:pPr>
-              <a:t>2</a:t>
+              <a:t>16</a:t>
             </a:fld>
             <a:endParaRPr lang="en-US" sz="900">
               <a:solidFill>
@@ -10340,7 +10338,7 @@
                   <a:spcPts val="600"/>
                 </a:spcAft>
               </a:pPr>
-              <a:t>10/06/18</a:t>
+              <a:t>12/06/18</a:t>
             </a:fld>
             <a:endParaRPr lang="en-US">
               <a:solidFill>
@@ -10354,124 +10352,6 @@
     <p:extLst>
       <p:ext uri="{BB962C8B-B14F-4D97-AF65-F5344CB8AC3E}">
         <p14:creationId xmlns:p14="http://schemas.microsoft.com/office/powerpoint/2010/main" val="1949392708"/>
-      </p:ext>
-    </p:extLst>
-  </p:cSld>
-  <p:clrMapOvr>
-    <a:masterClrMapping/>
-  </p:clrMapOvr>
-</p:sld>
-</file>
-
-<file path=ppt/slides/slide17.xml><?xml version="1.0" encoding="utf-8"?>
-<p:sld xmlns:a="http://schemas.openxmlformats.org/drawingml/2006/main" xmlns:r="http://schemas.openxmlformats.org/officeDocument/2006/relationships" xmlns:p="http://schemas.openxmlformats.org/presentationml/2006/main">
-  <p:cSld>
-    <p:spTree>
-      <p:nvGrpSpPr>
-        <p:cNvPr id="1" name=""/>
-        <p:cNvGrpSpPr/>
-        <p:nvPr/>
-      </p:nvGrpSpPr>
-      <p:grpSpPr>
-        <a:xfrm>
-          <a:off x="0" y="0"/>
-          <a:ext cx="0" cy="0"/>
-          <a:chOff x="0" y="0"/>
-          <a:chExt cx="0" cy="0"/>
-        </a:xfrm>
-      </p:grpSpPr>
-      <p:sp>
-        <p:nvSpPr>
-          <p:cNvPr id="2" name="Date Placeholder 1">
-            <a:extLst>
-              <a:ext uri="{FF2B5EF4-FFF2-40B4-BE49-F238E27FC236}">
-                <a16:creationId xmlns:a16="http://schemas.microsoft.com/office/drawing/2014/main" id="{7A8B5A12-C44C-DB45-B2A0-B79D00EDD324}"/>
-              </a:ext>
-            </a:extLst>
-          </p:cNvPr>
-          <p:cNvSpPr>
-            <a:spLocks noGrp="1"/>
-          </p:cNvSpPr>
-          <p:nvPr>
-            <p:ph type="dt" sz="half" idx="10"/>
-          </p:nvPr>
-        </p:nvSpPr>
-        <p:spPr/>
-        <p:txBody>
-          <a:bodyPr/>
-          <a:lstStyle/>
-          <a:p>
-            <a:fld id="{386BF708-07C7-734A-9BDD-03043652E280}" type="datetime1">
-              <a:rPr lang="it-IT" smtClean="0"/>
-              <a:t>10/06/18</a:t>
-            </a:fld>
-            <a:endParaRPr lang="en-US" dirty="0"/>
-          </a:p>
-        </p:txBody>
-      </p:sp>
-      <p:sp>
-        <p:nvSpPr>
-          <p:cNvPr id="3" name="Footer Placeholder 2">
-            <a:extLst>
-              <a:ext uri="{FF2B5EF4-FFF2-40B4-BE49-F238E27FC236}">
-                <a16:creationId xmlns:a16="http://schemas.microsoft.com/office/drawing/2014/main" id="{4C477D87-BF75-4342-B7FD-6C7A37CD8907}"/>
-              </a:ext>
-            </a:extLst>
-          </p:cNvPr>
-          <p:cNvSpPr>
-            <a:spLocks noGrp="1"/>
-          </p:cNvSpPr>
-          <p:nvPr>
-            <p:ph type="ftr" sz="quarter" idx="11"/>
-          </p:nvPr>
-        </p:nvSpPr>
-        <p:spPr/>
-        <p:txBody>
-          <a:bodyPr/>
-          <a:lstStyle/>
-          <a:p>
-            <a:r>
-              <a:rPr lang="en-US"/>
-              <a:t>Salvatore Sorrentino</a:t>
-            </a:r>
-            <a:endParaRPr lang="en-US" dirty="0"/>
-          </a:p>
-        </p:txBody>
-      </p:sp>
-      <p:sp>
-        <p:nvSpPr>
-          <p:cNvPr id="4" name="Slide Number Placeholder 3">
-            <a:extLst>
-              <a:ext uri="{FF2B5EF4-FFF2-40B4-BE49-F238E27FC236}">
-                <a16:creationId xmlns:a16="http://schemas.microsoft.com/office/drawing/2014/main" id="{F2EF2A48-5BE9-1A45-B44D-64CE51FC2C1C}"/>
-              </a:ext>
-            </a:extLst>
-          </p:cNvPr>
-          <p:cNvSpPr>
-            <a:spLocks noGrp="1"/>
-          </p:cNvSpPr>
-          <p:nvPr>
-            <p:ph type="sldNum" sz="quarter" idx="12"/>
-          </p:nvPr>
-        </p:nvSpPr>
-        <p:spPr/>
-        <p:txBody>
-          <a:bodyPr/>
-          <a:lstStyle/>
-          <a:p>
-            <a:fld id="{D57F1E4F-1CFF-5643-939E-217C01CDF565}" type="slidenum">
-              <a:rPr lang="en-US" smtClean="0"/>
-              <a:pPr/>
-              <a:t>17</a:t>
-            </a:fld>
-            <a:endParaRPr lang="en-US" dirty="0"/>
-          </a:p>
-        </p:txBody>
-      </p:sp>
-    </p:spTree>
-    <p:extLst>
-      <p:ext uri="{BB962C8B-B14F-4D97-AF65-F5344CB8AC3E}">
-        <p14:creationId xmlns:p14="http://schemas.microsoft.com/office/powerpoint/2010/main" val="3804760047"/>
       </p:ext>
     </p:extLst>
   </p:cSld>
@@ -13631,15 +13511,15 @@
               </a:lnSpc>
             </a:pPr>
             <a:r>
-              <a:rPr lang="it-IT" sz="1700"/>
+              <a:rPr lang="it-IT" sz="1700" dirty="0"/>
               <a:t>Aggiungiamo un </a:t>
             </a:r>
             <a:r>
-              <a:rPr lang="it-IT" sz="1700" err="1"/>
+              <a:rPr lang="it-IT" sz="1700" dirty="0" err="1"/>
               <a:t>layer</a:t>
             </a:r>
             <a:r>
-              <a:rPr lang="it-IT" sz="1700"/>
+              <a:rPr lang="it-IT" sz="1700" dirty="0"/>
               <a:t> (strato) di astrazione. Voi distribuite le vostre applicazioni e codice su una piattaforma. Non siete interessati alla macchina virtuale su cui eseguire il vostro codice</a:t>
             </a:r>
           </a:p>
@@ -13650,7 +13530,7 @@
               </a:lnSpc>
             </a:pPr>
             <a:r>
-              <a:rPr lang="it-IT" sz="1700"/>
+              <a:rPr lang="it-IT" sz="1700" dirty="0"/>
               <a:t>Non siete interessati al sistema operativo e al suo aggiornamento</a:t>
             </a:r>
           </a:p>
@@ -13661,7 +13541,7 @@
               </a:lnSpc>
             </a:pPr>
             <a:r>
-              <a:rPr lang="it-IT" sz="1700"/>
+              <a:rPr lang="it-IT" sz="1700" dirty="0"/>
               <a:t>Cercate solo un posto dove eseguire la vostra applicazione, distribuirla globalmente e scalarle per poter andare incontro alle vostre esigenze</a:t>
             </a:r>
           </a:p>
@@ -13672,24 +13552,16 @@
               </a:lnSpc>
             </a:pPr>
             <a:r>
-              <a:rPr lang="it-IT" sz="1700"/>
+              <a:rPr lang="it-IT" sz="1700" dirty="0"/>
               <a:t>Create la </a:t>
             </a:r>
             <a:r>
-              <a:rPr lang="it-IT" sz="1700" err="1"/>
+              <a:rPr lang="it-IT" sz="1700" dirty="0" err="1"/>
               <a:t>build</a:t>
             </a:r>
             <a:r>
-              <a:rPr lang="it-IT" sz="1700"/>
-              <a:t> della vostra applicazione e spostarla su una piattaforma senza gestire l’</a:t>
-            </a:r>
-            <a:r>
-              <a:rPr lang="it-IT" sz="1700" err="1"/>
-              <a:t>infrastruttra</a:t>
-            </a:r>
-            <a:r>
-              <a:rPr lang="it-IT" sz="1700"/>
-              <a:t> sottostante</a:t>
+              <a:rPr lang="it-IT" sz="1700" dirty="0"/>
+              <a:t> della vostra applicazione e spostarla su una piattaforma senza gestire l’infrastruttura sottostante</a:t>
             </a:r>
           </a:p>
         </p:txBody>
@@ -13774,7 +13646,7 @@
                   <a:spcPts val="600"/>
                 </a:spcAft>
               </a:pPr>
-              <a:t>10/06/18</a:t>
+              <a:t>12/06/18</a:t>
             </a:fld>
             <a:endParaRPr lang="en-US"/>
           </a:p>
@@ -13922,7 +13794,7 @@
           <a:p>
             <a:fld id="{12FADF34-F6ED-764D-AB9C-0CA3DD6714F2}" type="datetime1">
               <a:rPr lang="it-IT" smtClean="0"/>
-              <a:t>10/06/18</a:t>
+              <a:t>12/06/18</a:t>
             </a:fld>
             <a:endParaRPr lang="en-US" dirty="0"/>
           </a:p>
@@ -14106,7 +13978,7 @@
           <a:p>
             <a:fld id="{12FADF34-F6ED-764D-AB9C-0CA3DD6714F2}" type="datetime1">
               <a:rPr lang="it-IT" smtClean="0"/>
-              <a:t>10/06/18</a:t>
+              <a:t>12/06/18</a:t>
             </a:fld>
             <a:endParaRPr lang="en-US" dirty="0"/>
           </a:p>
@@ -14392,7 +14264,7 @@
           <a:p>
             <a:fld id="{12FADF34-F6ED-764D-AB9C-0CA3DD6714F2}" type="datetime1">
               <a:rPr lang="it-IT" smtClean="0"/>
-              <a:t>10/06/18</a:t>
+              <a:t>12/06/18</a:t>
             </a:fld>
             <a:endParaRPr lang="en-US" dirty="0"/>
           </a:p>
@@ -14687,7 +14559,7 @@
           <a:p>
             <a:fld id="{12FADF34-F6ED-764D-AB9C-0CA3DD6714F2}" type="datetime1">
               <a:rPr lang="it-IT" smtClean="0"/>
-              <a:t>10/06/18</a:t>
+              <a:t>12/06/18</a:t>
             </a:fld>
             <a:endParaRPr lang="en-US" dirty="0"/>
           </a:p>
@@ -14955,7 +14827,7 @@
           <a:p>
             <a:fld id="{12FADF34-F6ED-764D-AB9C-0CA3DD6714F2}" type="datetime1">
               <a:rPr lang="it-IT" smtClean="0"/>
-              <a:t>10/06/18</a:t>
+              <a:t>12/06/18</a:t>
             </a:fld>
             <a:endParaRPr lang="en-US" dirty="0"/>
           </a:p>
@@ -15212,7 +15084,7 @@
           <a:p>
             <a:fld id="{12FADF34-F6ED-764D-AB9C-0CA3DD6714F2}" type="datetime1">
               <a:rPr lang="it-IT" smtClean="0"/>
-              <a:t>10/06/18</a:t>
+              <a:t>12/06/18</a:t>
             </a:fld>
             <a:endParaRPr lang="en-US" dirty="0"/>
           </a:p>
